--- a/automation.pptx
+++ b/automation.pptx
@@ -13,6 +13,8 @@
     <p:sldId id="261" r:id="rId7"/>
     <p:sldId id="262" r:id="rId8"/>
     <p:sldId id="263" r:id="rId9"/>
+    <p:sldId id="265" r:id="rId10"/>
+    <p:sldId id="264" r:id="rId11"/>
   </p:sldIdLst>
   <p:sldSz cx="12192000" cy="6858000"/>
   <p:notesSz cx="6858000" cy="9144000"/>
@@ -2050,66 +2052,6 @@
         </dgm:presLayoutVars>
       </dgm:prSet>
       <dgm:spPr/>
-    </dgm:pt>
-    <dgm:pt modelId="{07549C0B-A8F6-41CE-9468-CD21D3A6E42E}" type="pres">
-      <dgm:prSet presAssocID="{C96B01E5-6449-432E-B19E-EA275837695E}" presName="root1" presStyleCnt="0"/>
-      <dgm:spPr/>
-    </dgm:pt>
-    <dgm:pt modelId="{46DAD3CA-6D7A-4E23-A3B4-448E0B7A27A0}" type="pres">
-      <dgm:prSet presAssocID="{C96B01E5-6449-432E-B19E-EA275837695E}" presName="LevelOneTextNode" presStyleLbl="node0" presStyleIdx="0" presStyleCnt="1">
-        <dgm:presLayoutVars>
-          <dgm:chPref val="3"/>
-        </dgm:presLayoutVars>
-      </dgm:prSet>
-      <dgm:spPr/>
-    </dgm:pt>
-    <dgm:pt modelId="{1C005A7B-22D7-42B9-B175-F325F183D757}" type="pres">
-      <dgm:prSet presAssocID="{C96B01E5-6449-432E-B19E-EA275837695E}" presName="level2hierChild" presStyleCnt="0"/>
-      <dgm:spPr/>
-    </dgm:pt>
-    <dgm:pt modelId="{CAFCAF7D-B1CA-4609-82AE-CB1BD875E521}" type="pres">
-      <dgm:prSet presAssocID="{23DAE603-5287-42DE-B8F8-60DFD91B7B81}" presName="conn2-1" presStyleLbl="parChTrans1D2" presStyleIdx="0" presStyleCnt="1"/>
-      <dgm:spPr/>
-    </dgm:pt>
-    <dgm:pt modelId="{17E3BFF6-4618-40C0-BFFF-764A7B936A4C}" type="pres">
-      <dgm:prSet presAssocID="{23DAE603-5287-42DE-B8F8-60DFD91B7B81}" presName="connTx" presStyleLbl="parChTrans1D2" presStyleIdx="0" presStyleCnt="1"/>
-      <dgm:spPr/>
-    </dgm:pt>
-    <dgm:pt modelId="{966822C5-DB63-4A99-8EB8-D945447AA3AC}" type="pres">
-      <dgm:prSet presAssocID="{CC99EDAB-DFB1-4812-BD40-77D568B3EAE2}" presName="root2" presStyleCnt="0"/>
-      <dgm:spPr/>
-    </dgm:pt>
-    <dgm:pt modelId="{197F1A79-C06B-4F16-9059-089E06B72681}" type="pres">
-      <dgm:prSet presAssocID="{CC99EDAB-DFB1-4812-BD40-77D568B3EAE2}" presName="LevelTwoTextNode" presStyleLbl="node2" presStyleIdx="0" presStyleCnt="1">
-        <dgm:presLayoutVars>
-          <dgm:chPref val="3"/>
-        </dgm:presLayoutVars>
-      </dgm:prSet>
-      <dgm:spPr/>
-    </dgm:pt>
-    <dgm:pt modelId="{6ED69C03-ABCC-46C0-95ED-94B70CFB5C4E}" type="pres">
-      <dgm:prSet presAssocID="{CC99EDAB-DFB1-4812-BD40-77D568B3EAE2}" presName="level3hierChild" presStyleCnt="0"/>
-      <dgm:spPr/>
-    </dgm:pt>
-    <dgm:pt modelId="{E3066F44-D392-4557-82E5-381430198155}" type="pres">
-      <dgm:prSet presAssocID="{01ACF06F-2D78-43E0-BA5E-E53E77666449}" presName="conn2-1" presStyleLbl="parChTrans1D3" presStyleIdx="0" presStyleCnt="2"/>
-      <dgm:spPr/>
-    </dgm:pt>
-    <dgm:pt modelId="{46E28502-19DD-484A-A817-7B36B9F54A76}" type="pres">
-      <dgm:prSet presAssocID="{01ACF06F-2D78-43E0-BA5E-E53E77666449}" presName="connTx" presStyleLbl="parChTrans1D3" presStyleIdx="0" presStyleCnt="2"/>
-      <dgm:spPr/>
-    </dgm:pt>
-    <dgm:pt modelId="{B0493494-9592-4230-A128-A37FD2F9D782}" type="pres">
-      <dgm:prSet presAssocID="{4B39B776-C696-4E03-9421-FDAEC7850C55}" presName="root2" presStyleCnt="0"/>
-      <dgm:spPr/>
-    </dgm:pt>
-    <dgm:pt modelId="{B94B0EC3-10C0-416D-8DC7-88CE95C974ED}" type="pres">
-      <dgm:prSet presAssocID="{4B39B776-C696-4E03-9421-FDAEC7850C55}" presName="LevelTwoTextNode" presStyleLbl="node3" presStyleIdx="0" presStyleCnt="2">
-        <dgm:presLayoutVars>
-          <dgm:chPref val="3"/>
-        </dgm:presLayoutVars>
-      </dgm:prSet>
-      <dgm:spPr/>
       <dgm:t>
         <a:bodyPr/>
         <a:lstStyle/>
@@ -2119,24 +2061,12 @@
         </a:p>
       </dgm:t>
     </dgm:pt>
-    <dgm:pt modelId="{DA69B34D-687A-4953-A492-F06ACEE17799}" type="pres">
-      <dgm:prSet presAssocID="{4B39B776-C696-4E03-9421-FDAEC7850C55}" presName="level3hierChild" presStyleCnt="0"/>
-      <dgm:spPr/>
-    </dgm:pt>
-    <dgm:pt modelId="{433717D8-9E15-4388-BADE-7ADE4F2B0407}" type="pres">
-      <dgm:prSet presAssocID="{1A39B7DF-1325-4349-A9E4-230F6479A46B}" presName="conn2-1" presStyleLbl="parChTrans1D4" presStyleIdx="0" presStyleCnt="6"/>
-      <dgm:spPr/>
-    </dgm:pt>
-    <dgm:pt modelId="{77792EB9-EFF6-4F79-B48B-14B6BA030361}" type="pres">
-      <dgm:prSet presAssocID="{1A39B7DF-1325-4349-A9E4-230F6479A46B}" presName="connTx" presStyleLbl="parChTrans1D4" presStyleIdx="0" presStyleCnt="6"/>
-      <dgm:spPr/>
-    </dgm:pt>
-    <dgm:pt modelId="{3B0698E5-FE7B-4552-BDF6-8E1FA905FCBF}" type="pres">
-      <dgm:prSet presAssocID="{50C379E4-5CF5-4F7E-8EE5-5CB5EFED5386}" presName="root2" presStyleCnt="0"/>
-      <dgm:spPr/>
-    </dgm:pt>
-    <dgm:pt modelId="{C659C51F-B1EA-432A-AA44-93ED33A55CB5}" type="pres">
-      <dgm:prSet presAssocID="{50C379E4-5CF5-4F7E-8EE5-5CB5EFED5386}" presName="LevelTwoTextNode" presStyleLbl="node4" presStyleIdx="0" presStyleCnt="6">
+    <dgm:pt modelId="{07549C0B-A8F6-41CE-9468-CD21D3A6E42E}" type="pres">
+      <dgm:prSet presAssocID="{C96B01E5-6449-432E-B19E-EA275837695E}" presName="root1" presStyleCnt="0"/>
+      <dgm:spPr/>
+    </dgm:pt>
+    <dgm:pt modelId="{46DAD3CA-6D7A-4E23-A3B4-448E0B7A27A0}" type="pres">
+      <dgm:prSet presAssocID="{C96B01E5-6449-432E-B19E-EA275837695E}" presName="LevelOneTextNode" presStyleLbl="node0" presStyleIdx="0" presStyleCnt="1">
         <dgm:presLayoutVars>
           <dgm:chPref val="3"/>
         </dgm:presLayoutVars>
@@ -2151,28 +2081,12 @@
         </a:p>
       </dgm:t>
     </dgm:pt>
-    <dgm:pt modelId="{65CFF4D0-EE6D-4F72-B976-7C30E8D0F904}" type="pres">
-      <dgm:prSet presAssocID="{50C379E4-5CF5-4F7E-8EE5-5CB5EFED5386}" presName="level3hierChild" presStyleCnt="0"/>
-      <dgm:spPr/>
-    </dgm:pt>
-    <dgm:pt modelId="{EBD1FE74-F507-4F3B-96B4-68595736B1C4}" type="pres">
-      <dgm:prSet presAssocID="{797F7439-6A98-4FC0-9E75-FEC2E36B1702}" presName="conn2-1" presStyleLbl="parChTrans1D4" presStyleIdx="1" presStyleCnt="6"/>
-      <dgm:spPr/>
-    </dgm:pt>
-    <dgm:pt modelId="{6F27C403-4394-40A1-AE8D-FB7516C1C08D}" type="pres">
-      <dgm:prSet presAssocID="{797F7439-6A98-4FC0-9E75-FEC2E36B1702}" presName="connTx" presStyleLbl="parChTrans1D4" presStyleIdx="1" presStyleCnt="6"/>
-      <dgm:spPr/>
-    </dgm:pt>
-    <dgm:pt modelId="{A68FC472-FFED-4158-9E8D-9180C44C9092}" type="pres">
-      <dgm:prSet presAssocID="{0EAE4553-6909-46CD-974F-288C85DC558D}" presName="root2" presStyleCnt="0"/>
-      <dgm:spPr/>
-    </dgm:pt>
-    <dgm:pt modelId="{492CE3B2-627B-4549-8925-3CE7D6B02C8F}" type="pres">
-      <dgm:prSet presAssocID="{0EAE4553-6909-46CD-974F-288C85DC558D}" presName="LevelTwoTextNode" presStyleLbl="node4" presStyleIdx="1" presStyleCnt="6">
-        <dgm:presLayoutVars>
-          <dgm:chPref val="3"/>
-        </dgm:presLayoutVars>
-      </dgm:prSet>
+    <dgm:pt modelId="{1C005A7B-22D7-42B9-B175-F325F183D757}" type="pres">
+      <dgm:prSet presAssocID="{C96B01E5-6449-432E-B19E-EA275837695E}" presName="level2hierChild" presStyleCnt="0"/>
+      <dgm:spPr/>
+    </dgm:pt>
+    <dgm:pt modelId="{CAFCAF7D-B1CA-4609-82AE-CB1BD875E521}" type="pres">
+      <dgm:prSet presAssocID="{23DAE603-5287-42DE-B8F8-60DFD91B7B81}" presName="conn2-1" presStyleLbl="parChTrans1D2" presStyleIdx="0" presStyleCnt="1"/>
       <dgm:spPr/>
       <dgm:t>
         <a:bodyPr/>
@@ -2183,28 +2097,8 @@
         </a:p>
       </dgm:t>
     </dgm:pt>
-    <dgm:pt modelId="{568E341C-53B1-4316-8FCB-18DF7658D26E}" type="pres">
-      <dgm:prSet presAssocID="{0EAE4553-6909-46CD-974F-288C85DC558D}" presName="level3hierChild" presStyleCnt="0"/>
-      <dgm:spPr/>
-    </dgm:pt>
-    <dgm:pt modelId="{A6645935-14B8-4A26-BF89-CB6EAF36BC79}" type="pres">
-      <dgm:prSet presAssocID="{76508A97-D46C-41F0-AE4E-94B6773AD9BC}" presName="conn2-1" presStyleLbl="parChTrans1D4" presStyleIdx="2" presStyleCnt="6"/>
-      <dgm:spPr/>
-    </dgm:pt>
-    <dgm:pt modelId="{8D693795-6E55-4FF6-AC8B-CA974B91219C}" type="pres">
-      <dgm:prSet presAssocID="{76508A97-D46C-41F0-AE4E-94B6773AD9BC}" presName="connTx" presStyleLbl="parChTrans1D4" presStyleIdx="2" presStyleCnt="6"/>
-      <dgm:spPr/>
-    </dgm:pt>
-    <dgm:pt modelId="{7DCD8C8D-37BC-43F7-9871-980D394EB3FC}" type="pres">
-      <dgm:prSet presAssocID="{4FB76040-B506-4956-8E5D-D6187C2287DF}" presName="root2" presStyleCnt="0"/>
-      <dgm:spPr/>
-    </dgm:pt>
-    <dgm:pt modelId="{E5291123-B059-403A-872F-2DA746382EAA}" type="pres">
-      <dgm:prSet presAssocID="{4FB76040-B506-4956-8E5D-D6187C2287DF}" presName="LevelTwoTextNode" presStyleLbl="node4" presStyleIdx="2" presStyleCnt="6">
-        <dgm:presLayoutVars>
-          <dgm:chPref val="3"/>
-        </dgm:presLayoutVars>
-      </dgm:prSet>
+    <dgm:pt modelId="{17E3BFF6-4618-40C0-BFFF-764A7B936A4C}" type="pres">
+      <dgm:prSet presAssocID="{23DAE603-5287-42DE-B8F8-60DFD91B7B81}" presName="connTx" presStyleLbl="parChTrans1D2" presStyleIdx="0" presStyleCnt="1"/>
       <dgm:spPr/>
       <dgm:t>
         <a:bodyPr/>
@@ -2215,24 +2109,12 @@
         </a:p>
       </dgm:t>
     </dgm:pt>
-    <dgm:pt modelId="{3BD1B06D-9B89-44B9-B64B-C2D8AE747BCD}" type="pres">
-      <dgm:prSet presAssocID="{4FB76040-B506-4956-8E5D-D6187C2287DF}" presName="level3hierChild" presStyleCnt="0"/>
-      <dgm:spPr/>
-    </dgm:pt>
-    <dgm:pt modelId="{8A823368-C90B-4B0D-BF1D-90411CA229CD}" type="pres">
-      <dgm:prSet presAssocID="{C1A8C48D-9BDC-4BD3-9C47-270D284376BB}" presName="conn2-1" presStyleLbl="parChTrans1D3" presStyleIdx="1" presStyleCnt="2"/>
-      <dgm:spPr/>
-    </dgm:pt>
-    <dgm:pt modelId="{B25158D8-1E8B-4F99-8DC4-D61D11A82AC3}" type="pres">
-      <dgm:prSet presAssocID="{C1A8C48D-9BDC-4BD3-9C47-270D284376BB}" presName="connTx" presStyleLbl="parChTrans1D3" presStyleIdx="1" presStyleCnt="2"/>
-      <dgm:spPr/>
-    </dgm:pt>
-    <dgm:pt modelId="{A8E947B3-0BA8-44F8-AB47-15199A84A095}" type="pres">
-      <dgm:prSet presAssocID="{3A3FDADA-5F37-43B1-9143-D9F8EE94D8CB}" presName="root2" presStyleCnt="0"/>
-      <dgm:spPr/>
-    </dgm:pt>
-    <dgm:pt modelId="{940FF299-ED3E-4714-AD33-5EFC49D63497}" type="pres">
-      <dgm:prSet presAssocID="{3A3FDADA-5F37-43B1-9143-D9F8EE94D8CB}" presName="LevelTwoTextNode" presStyleLbl="node3" presStyleIdx="1" presStyleCnt="2">
+    <dgm:pt modelId="{966822C5-DB63-4A99-8EB8-D945447AA3AC}" type="pres">
+      <dgm:prSet presAssocID="{CC99EDAB-DFB1-4812-BD40-77D568B3EAE2}" presName="root2" presStyleCnt="0"/>
+      <dgm:spPr/>
+    </dgm:pt>
+    <dgm:pt modelId="{197F1A79-C06B-4F16-9059-089E06B72681}" type="pres">
+      <dgm:prSet presAssocID="{CC99EDAB-DFB1-4812-BD40-77D568B3EAE2}" presName="LevelTwoTextNode" presStyleLbl="node2" presStyleIdx="0" presStyleCnt="1">
         <dgm:presLayoutVars>
           <dgm:chPref val="3"/>
         </dgm:presLayoutVars>
@@ -2247,28 +2129,12 @@
         </a:p>
       </dgm:t>
     </dgm:pt>
-    <dgm:pt modelId="{83906643-D48E-457B-8891-5E2811F59A6B}" type="pres">
-      <dgm:prSet presAssocID="{3A3FDADA-5F37-43B1-9143-D9F8EE94D8CB}" presName="level3hierChild" presStyleCnt="0"/>
-      <dgm:spPr/>
-    </dgm:pt>
-    <dgm:pt modelId="{6A26DF4C-5C0F-472C-84A7-8B6C8A90C8EC}" type="pres">
-      <dgm:prSet presAssocID="{FD5E04CC-75D8-4D50-BF76-7FFDCAD65915}" presName="conn2-1" presStyleLbl="parChTrans1D4" presStyleIdx="3" presStyleCnt="6"/>
-      <dgm:spPr/>
-    </dgm:pt>
-    <dgm:pt modelId="{C2EBD83D-DE58-4884-91E9-E43718406953}" type="pres">
-      <dgm:prSet presAssocID="{FD5E04CC-75D8-4D50-BF76-7FFDCAD65915}" presName="connTx" presStyleLbl="parChTrans1D4" presStyleIdx="3" presStyleCnt="6"/>
-      <dgm:spPr/>
-    </dgm:pt>
-    <dgm:pt modelId="{A10E976B-6074-4B4D-A40E-DD6818984AA4}" type="pres">
-      <dgm:prSet presAssocID="{1882D231-FEF5-4FAA-BBCD-74FC5CBC4080}" presName="root2" presStyleCnt="0"/>
-      <dgm:spPr/>
-    </dgm:pt>
-    <dgm:pt modelId="{623B7F37-D8A7-466D-81CE-62DD22220AB1}" type="pres">
-      <dgm:prSet presAssocID="{1882D231-FEF5-4FAA-BBCD-74FC5CBC4080}" presName="LevelTwoTextNode" presStyleLbl="node4" presStyleIdx="3" presStyleCnt="6">
-        <dgm:presLayoutVars>
-          <dgm:chPref val="3"/>
-        </dgm:presLayoutVars>
-      </dgm:prSet>
+    <dgm:pt modelId="{6ED69C03-ABCC-46C0-95ED-94B70CFB5C4E}" type="pres">
+      <dgm:prSet presAssocID="{CC99EDAB-DFB1-4812-BD40-77D568B3EAE2}" presName="level3hierChild" presStyleCnt="0"/>
+      <dgm:spPr/>
+    </dgm:pt>
+    <dgm:pt modelId="{E3066F44-D392-4557-82E5-381430198155}" type="pres">
+      <dgm:prSet presAssocID="{01ACF06F-2D78-43E0-BA5E-E53E77666449}" presName="conn2-1" presStyleLbl="parChTrans1D3" presStyleIdx="0" presStyleCnt="2"/>
       <dgm:spPr/>
       <dgm:t>
         <a:bodyPr/>
@@ -2279,28 +2145,8 @@
         </a:p>
       </dgm:t>
     </dgm:pt>
-    <dgm:pt modelId="{EB45EE30-ED19-4C37-994C-C66FEDCA6003}" type="pres">
-      <dgm:prSet presAssocID="{1882D231-FEF5-4FAA-BBCD-74FC5CBC4080}" presName="level3hierChild" presStyleCnt="0"/>
-      <dgm:spPr/>
-    </dgm:pt>
-    <dgm:pt modelId="{2832FE5D-FA0B-4FAC-BCCE-CA248BC550CF}" type="pres">
-      <dgm:prSet presAssocID="{A1227CCF-108F-4AF3-8366-5AC6DB743F8C}" presName="conn2-1" presStyleLbl="parChTrans1D4" presStyleIdx="4" presStyleCnt="6"/>
-      <dgm:spPr/>
-    </dgm:pt>
-    <dgm:pt modelId="{173FE093-1046-49DC-A33F-47CB30AAD018}" type="pres">
-      <dgm:prSet presAssocID="{A1227CCF-108F-4AF3-8366-5AC6DB743F8C}" presName="connTx" presStyleLbl="parChTrans1D4" presStyleIdx="4" presStyleCnt="6"/>
-      <dgm:spPr/>
-    </dgm:pt>
-    <dgm:pt modelId="{4E167195-3545-4951-9A5C-F614584AF0AA}" type="pres">
-      <dgm:prSet presAssocID="{DE2BB136-BCE5-4EAC-B270-6BB0E6EE5A0F}" presName="root2" presStyleCnt="0"/>
-      <dgm:spPr/>
-    </dgm:pt>
-    <dgm:pt modelId="{3624300F-FF8C-4066-8ADA-6287C012466F}" type="pres">
-      <dgm:prSet presAssocID="{DE2BB136-BCE5-4EAC-B270-6BB0E6EE5A0F}" presName="LevelTwoTextNode" presStyleLbl="node4" presStyleIdx="4" presStyleCnt="6">
-        <dgm:presLayoutVars>
-          <dgm:chPref val="3"/>
-        </dgm:presLayoutVars>
-      </dgm:prSet>
+    <dgm:pt modelId="{46E28502-19DD-484A-A817-7B36B9F54A76}" type="pres">
+      <dgm:prSet presAssocID="{01ACF06F-2D78-43E0-BA5E-E53E77666449}" presName="connTx" presStyleLbl="parChTrans1D3" presStyleIdx="0" presStyleCnt="2"/>
       <dgm:spPr/>
       <dgm:t>
         <a:bodyPr/>
@@ -2311,24 +2157,12 @@
         </a:p>
       </dgm:t>
     </dgm:pt>
-    <dgm:pt modelId="{5ACEF828-30A5-4FA5-8AE7-AA45FD1C4746}" type="pres">
-      <dgm:prSet presAssocID="{DE2BB136-BCE5-4EAC-B270-6BB0E6EE5A0F}" presName="level3hierChild" presStyleCnt="0"/>
-      <dgm:spPr/>
-    </dgm:pt>
-    <dgm:pt modelId="{A25AA59B-51C2-4A38-82CA-4BE2E13EFE8E}" type="pres">
-      <dgm:prSet presAssocID="{2B8DF93E-3C2A-4DC9-8E77-61E6B20A163F}" presName="conn2-1" presStyleLbl="parChTrans1D4" presStyleIdx="5" presStyleCnt="6"/>
-      <dgm:spPr/>
-    </dgm:pt>
-    <dgm:pt modelId="{C6DD2D0D-2C6D-4883-B50D-A99668111980}" type="pres">
-      <dgm:prSet presAssocID="{2B8DF93E-3C2A-4DC9-8E77-61E6B20A163F}" presName="connTx" presStyleLbl="parChTrans1D4" presStyleIdx="5" presStyleCnt="6"/>
-      <dgm:spPr/>
-    </dgm:pt>
-    <dgm:pt modelId="{2689D37E-2F6B-4A62-BFA2-D0A2CF239568}" type="pres">
-      <dgm:prSet presAssocID="{617AF8F2-51D9-4240-A738-7C688388A4CD}" presName="root2" presStyleCnt="0"/>
-      <dgm:spPr/>
-    </dgm:pt>
-    <dgm:pt modelId="{2BF8CC9C-AAF4-44D7-BBF0-C0926BFF9225}" type="pres">
-      <dgm:prSet presAssocID="{617AF8F2-51D9-4240-A738-7C688388A4CD}" presName="LevelTwoTextNode" presStyleLbl="node4" presStyleIdx="5" presStyleCnt="6">
+    <dgm:pt modelId="{B0493494-9592-4230-A128-A37FD2F9D782}" type="pres">
+      <dgm:prSet presAssocID="{4B39B776-C696-4E03-9421-FDAEC7850C55}" presName="root2" presStyleCnt="0"/>
+      <dgm:spPr/>
+    </dgm:pt>
+    <dgm:pt modelId="{B94B0EC3-10C0-416D-8DC7-88CE95C974ED}" type="pres">
+      <dgm:prSet presAssocID="{4B39B776-C696-4E03-9421-FDAEC7850C55}" presName="LevelTwoTextNode" presStyleLbl="node3" presStyleIdx="0" presStyleCnt="2">
         <dgm:presLayoutVars>
           <dgm:chPref val="3"/>
         </dgm:presLayoutVars>
@@ -2343,51 +2177,387 @@
         </a:p>
       </dgm:t>
     </dgm:pt>
+    <dgm:pt modelId="{DA69B34D-687A-4953-A492-F06ACEE17799}" type="pres">
+      <dgm:prSet presAssocID="{4B39B776-C696-4E03-9421-FDAEC7850C55}" presName="level3hierChild" presStyleCnt="0"/>
+      <dgm:spPr/>
+    </dgm:pt>
+    <dgm:pt modelId="{433717D8-9E15-4388-BADE-7ADE4F2B0407}" type="pres">
+      <dgm:prSet presAssocID="{1A39B7DF-1325-4349-A9E4-230F6479A46B}" presName="conn2-1" presStyleLbl="parChTrans1D4" presStyleIdx="0" presStyleCnt="6"/>
+      <dgm:spPr/>
+      <dgm:t>
+        <a:bodyPr/>
+        <a:lstStyle/>
+        <a:p>
+          <a:pPr latinLnBrk="1"/>
+          <a:endParaRPr lang="ko-KR" altLang="en-US"/>
+        </a:p>
+      </dgm:t>
+    </dgm:pt>
+    <dgm:pt modelId="{77792EB9-EFF6-4F79-B48B-14B6BA030361}" type="pres">
+      <dgm:prSet presAssocID="{1A39B7DF-1325-4349-A9E4-230F6479A46B}" presName="connTx" presStyleLbl="parChTrans1D4" presStyleIdx="0" presStyleCnt="6"/>
+      <dgm:spPr/>
+      <dgm:t>
+        <a:bodyPr/>
+        <a:lstStyle/>
+        <a:p>
+          <a:pPr latinLnBrk="1"/>
+          <a:endParaRPr lang="ko-KR" altLang="en-US"/>
+        </a:p>
+      </dgm:t>
+    </dgm:pt>
+    <dgm:pt modelId="{3B0698E5-FE7B-4552-BDF6-8E1FA905FCBF}" type="pres">
+      <dgm:prSet presAssocID="{50C379E4-5CF5-4F7E-8EE5-5CB5EFED5386}" presName="root2" presStyleCnt="0"/>
+      <dgm:spPr/>
+    </dgm:pt>
+    <dgm:pt modelId="{C659C51F-B1EA-432A-AA44-93ED33A55CB5}" type="pres">
+      <dgm:prSet presAssocID="{50C379E4-5CF5-4F7E-8EE5-5CB5EFED5386}" presName="LevelTwoTextNode" presStyleLbl="node4" presStyleIdx="0" presStyleCnt="6">
+        <dgm:presLayoutVars>
+          <dgm:chPref val="3"/>
+        </dgm:presLayoutVars>
+      </dgm:prSet>
+      <dgm:spPr/>
+      <dgm:t>
+        <a:bodyPr/>
+        <a:lstStyle/>
+        <a:p>
+          <a:pPr latinLnBrk="1"/>
+          <a:endParaRPr lang="ko-KR" altLang="en-US"/>
+        </a:p>
+      </dgm:t>
+    </dgm:pt>
+    <dgm:pt modelId="{65CFF4D0-EE6D-4F72-B976-7C30E8D0F904}" type="pres">
+      <dgm:prSet presAssocID="{50C379E4-5CF5-4F7E-8EE5-5CB5EFED5386}" presName="level3hierChild" presStyleCnt="0"/>
+      <dgm:spPr/>
+    </dgm:pt>
+    <dgm:pt modelId="{EBD1FE74-F507-4F3B-96B4-68595736B1C4}" type="pres">
+      <dgm:prSet presAssocID="{797F7439-6A98-4FC0-9E75-FEC2E36B1702}" presName="conn2-1" presStyleLbl="parChTrans1D4" presStyleIdx="1" presStyleCnt="6"/>
+      <dgm:spPr/>
+      <dgm:t>
+        <a:bodyPr/>
+        <a:lstStyle/>
+        <a:p>
+          <a:pPr latinLnBrk="1"/>
+          <a:endParaRPr lang="ko-KR" altLang="en-US"/>
+        </a:p>
+      </dgm:t>
+    </dgm:pt>
+    <dgm:pt modelId="{6F27C403-4394-40A1-AE8D-FB7516C1C08D}" type="pres">
+      <dgm:prSet presAssocID="{797F7439-6A98-4FC0-9E75-FEC2E36B1702}" presName="connTx" presStyleLbl="parChTrans1D4" presStyleIdx="1" presStyleCnt="6"/>
+      <dgm:spPr/>
+      <dgm:t>
+        <a:bodyPr/>
+        <a:lstStyle/>
+        <a:p>
+          <a:pPr latinLnBrk="1"/>
+          <a:endParaRPr lang="ko-KR" altLang="en-US"/>
+        </a:p>
+      </dgm:t>
+    </dgm:pt>
+    <dgm:pt modelId="{A68FC472-FFED-4158-9E8D-9180C44C9092}" type="pres">
+      <dgm:prSet presAssocID="{0EAE4553-6909-46CD-974F-288C85DC558D}" presName="root2" presStyleCnt="0"/>
+      <dgm:spPr/>
+    </dgm:pt>
+    <dgm:pt modelId="{492CE3B2-627B-4549-8925-3CE7D6B02C8F}" type="pres">
+      <dgm:prSet presAssocID="{0EAE4553-6909-46CD-974F-288C85DC558D}" presName="LevelTwoTextNode" presStyleLbl="node4" presStyleIdx="1" presStyleCnt="6">
+        <dgm:presLayoutVars>
+          <dgm:chPref val="3"/>
+        </dgm:presLayoutVars>
+      </dgm:prSet>
+      <dgm:spPr/>
+      <dgm:t>
+        <a:bodyPr/>
+        <a:lstStyle/>
+        <a:p>
+          <a:pPr latinLnBrk="1"/>
+          <a:endParaRPr lang="ko-KR" altLang="en-US"/>
+        </a:p>
+      </dgm:t>
+    </dgm:pt>
+    <dgm:pt modelId="{568E341C-53B1-4316-8FCB-18DF7658D26E}" type="pres">
+      <dgm:prSet presAssocID="{0EAE4553-6909-46CD-974F-288C85DC558D}" presName="level3hierChild" presStyleCnt="0"/>
+      <dgm:spPr/>
+    </dgm:pt>
+    <dgm:pt modelId="{A6645935-14B8-4A26-BF89-CB6EAF36BC79}" type="pres">
+      <dgm:prSet presAssocID="{76508A97-D46C-41F0-AE4E-94B6773AD9BC}" presName="conn2-1" presStyleLbl="parChTrans1D4" presStyleIdx="2" presStyleCnt="6"/>
+      <dgm:spPr/>
+      <dgm:t>
+        <a:bodyPr/>
+        <a:lstStyle/>
+        <a:p>
+          <a:pPr latinLnBrk="1"/>
+          <a:endParaRPr lang="ko-KR" altLang="en-US"/>
+        </a:p>
+      </dgm:t>
+    </dgm:pt>
+    <dgm:pt modelId="{8D693795-6E55-4FF6-AC8B-CA974B91219C}" type="pres">
+      <dgm:prSet presAssocID="{76508A97-D46C-41F0-AE4E-94B6773AD9BC}" presName="connTx" presStyleLbl="parChTrans1D4" presStyleIdx="2" presStyleCnt="6"/>
+      <dgm:spPr/>
+      <dgm:t>
+        <a:bodyPr/>
+        <a:lstStyle/>
+        <a:p>
+          <a:pPr latinLnBrk="1"/>
+          <a:endParaRPr lang="ko-KR" altLang="en-US"/>
+        </a:p>
+      </dgm:t>
+    </dgm:pt>
+    <dgm:pt modelId="{7DCD8C8D-37BC-43F7-9871-980D394EB3FC}" type="pres">
+      <dgm:prSet presAssocID="{4FB76040-B506-4956-8E5D-D6187C2287DF}" presName="root2" presStyleCnt="0"/>
+      <dgm:spPr/>
+    </dgm:pt>
+    <dgm:pt modelId="{E5291123-B059-403A-872F-2DA746382EAA}" type="pres">
+      <dgm:prSet presAssocID="{4FB76040-B506-4956-8E5D-D6187C2287DF}" presName="LevelTwoTextNode" presStyleLbl="node4" presStyleIdx="2" presStyleCnt="6">
+        <dgm:presLayoutVars>
+          <dgm:chPref val="3"/>
+        </dgm:presLayoutVars>
+      </dgm:prSet>
+      <dgm:spPr/>
+      <dgm:t>
+        <a:bodyPr/>
+        <a:lstStyle/>
+        <a:p>
+          <a:pPr latinLnBrk="1"/>
+          <a:endParaRPr lang="ko-KR" altLang="en-US"/>
+        </a:p>
+      </dgm:t>
+    </dgm:pt>
+    <dgm:pt modelId="{3BD1B06D-9B89-44B9-B64B-C2D8AE747BCD}" type="pres">
+      <dgm:prSet presAssocID="{4FB76040-B506-4956-8E5D-D6187C2287DF}" presName="level3hierChild" presStyleCnt="0"/>
+      <dgm:spPr/>
+    </dgm:pt>
+    <dgm:pt modelId="{8A823368-C90B-4B0D-BF1D-90411CA229CD}" type="pres">
+      <dgm:prSet presAssocID="{C1A8C48D-9BDC-4BD3-9C47-270D284376BB}" presName="conn2-1" presStyleLbl="parChTrans1D3" presStyleIdx="1" presStyleCnt="2"/>
+      <dgm:spPr/>
+      <dgm:t>
+        <a:bodyPr/>
+        <a:lstStyle/>
+        <a:p>
+          <a:pPr latinLnBrk="1"/>
+          <a:endParaRPr lang="ko-KR" altLang="en-US"/>
+        </a:p>
+      </dgm:t>
+    </dgm:pt>
+    <dgm:pt modelId="{B25158D8-1E8B-4F99-8DC4-D61D11A82AC3}" type="pres">
+      <dgm:prSet presAssocID="{C1A8C48D-9BDC-4BD3-9C47-270D284376BB}" presName="connTx" presStyleLbl="parChTrans1D3" presStyleIdx="1" presStyleCnt="2"/>
+      <dgm:spPr/>
+      <dgm:t>
+        <a:bodyPr/>
+        <a:lstStyle/>
+        <a:p>
+          <a:pPr latinLnBrk="1"/>
+          <a:endParaRPr lang="ko-KR" altLang="en-US"/>
+        </a:p>
+      </dgm:t>
+    </dgm:pt>
+    <dgm:pt modelId="{A8E947B3-0BA8-44F8-AB47-15199A84A095}" type="pres">
+      <dgm:prSet presAssocID="{3A3FDADA-5F37-43B1-9143-D9F8EE94D8CB}" presName="root2" presStyleCnt="0"/>
+      <dgm:spPr/>
+    </dgm:pt>
+    <dgm:pt modelId="{940FF299-ED3E-4714-AD33-5EFC49D63497}" type="pres">
+      <dgm:prSet presAssocID="{3A3FDADA-5F37-43B1-9143-D9F8EE94D8CB}" presName="LevelTwoTextNode" presStyleLbl="node3" presStyleIdx="1" presStyleCnt="2">
+        <dgm:presLayoutVars>
+          <dgm:chPref val="3"/>
+        </dgm:presLayoutVars>
+      </dgm:prSet>
+      <dgm:spPr/>
+      <dgm:t>
+        <a:bodyPr/>
+        <a:lstStyle/>
+        <a:p>
+          <a:pPr latinLnBrk="1"/>
+          <a:endParaRPr lang="ko-KR" altLang="en-US"/>
+        </a:p>
+      </dgm:t>
+    </dgm:pt>
+    <dgm:pt modelId="{83906643-D48E-457B-8891-5E2811F59A6B}" type="pres">
+      <dgm:prSet presAssocID="{3A3FDADA-5F37-43B1-9143-D9F8EE94D8CB}" presName="level3hierChild" presStyleCnt="0"/>
+      <dgm:spPr/>
+    </dgm:pt>
+    <dgm:pt modelId="{6A26DF4C-5C0F-472C-84A7-8B6C8A90C8EC}" type="pres">
+      <dgm:prSet presAssocID="{FD5E04CC-75D8-4D50-BF76-7FFDCAD65915}" presName="conn2-1" presStyleLbl="parChTrans1D4" presStyleIdx="3" presStyleCnt="6"/>
+      <dgm:spPr/>
+      <dgm:t>
+        <a:bodyPr/>
+        <a:lstStyle/>
+        <a:p>
+          <a:pPr latinLnBrk="1"/>
+          <a:endParaRPr lang="ko-KR" altLang="en-US"/>
+        </a:p>
+      </dgm:t>
+    </dgm:pt>
+    <dgm:pt modelId="{C2EBD83D-DE58-4884-91E9-E43718406953}" type="pres">
+      <dgm:prSet presAssocID="{FD5E04CC-75D8-4D50-BF76-7FFDCAD65915}" presName="connTx" presStyleLbl="parChTrans1D4" presStyleIdx="3" presStyleCnt="6"/>
+      <dgm:spPr/>
+      <dgm:t>
+        <a:bodyPr/>
+        <a:lstStyle/>
+        <a:p>
+          <a:pPr latinLnBrk="1"/>
+          <a:endParaRPr lang="ko-KR" altLang="en-US"/>
+        </a:p>
+      </dgm:t>
+    </dgm:pt>
+    <dgm:pt modelId="{A10E976B-6074-4B4D-A40E-DD6818984AA4}" type="pres">
+      <dgm:prSet presAssocID="{1882D231-FEF5-4FAA-BBCD-74FC5CBC4080}" presName="root2" presStyleCnt="0"/>
+      <dgm:spPr/>
+    </dgm:pt>
+    <dgm:pt modelId="{623B7F37-D8A7-466D-81CE-62DD22220AB1}" type="pres">
+      <dgm:prSet presAssocID="{1882D231-FEF5-4FAA-BBCD-74FC5CBC4080}" presName="LevelTwoTextNode" presStyleLbl="node4" presStyleIdx="3" presStyleCnt="6">
+        <dgm:presLayoutVars>
+          <dgm:chPref val="3"/>
+        </dgm:presLayoutVars>
+      </dgm:prSet>
+      <dgm:spPr/>
+      <dgm:t>
+        <a:bodyPr/>
+        <a:lstStyle/>
+        <a:p>
+          <a:pPr latinLnBrk="1"/>
+          <a:endParaRPr lang="ko-KR" altLang="en-US"/>
+        </a:p>
+      </dgm:t>
+    </dgm:pt>
+    <dgm:pt modelId="{EB45EE30-ED19-4C37-994C-C66FEDCA6003}" type="pres">
+      <dgm:prSet presAssocID="{1882D231-FEF5-4FAA-BBCD-74FC5CBC4080}" presName="level3hierChild" presStyleCnt="0"/>
+      <dgm:spPr/>
+    </dgm:pt>
+    <dgm:pt modelId="{2832FE5D-FA0B-4FAC-BCCE-CA248BC550CF}" type="pres">
+      <dgm:prSet presAssocID="{A1227CCF-108F-4AF3-8366-5AC6DB743F8C}" presName="conn2-1" presStyleLbl="parChTrans1D4" presStyleIdx="4" presStyleCnt="6"/>
+      <dgm:spPr/>
+      <dgm:t>
+        <a:bodyPr/>
+        <a:lstStyle/>
+        <a:p>
+          <a:pPr latinLnBrk="1"/>
+          <a:endParaRPr lang="ko-KR" altLang="en-US"/>
+        </a:p>
+      </dgm:t>
+    </dgm:pt>
+    <dgm:pt modelId="{173FE093-1046-49DC-A33F-47CB30AAD018}" type="pres">
+      <dgm:prSet presAssocID="{A1227CCF-108F-4AF3-8366-5AC6DB743F8C}" presName="connTx" presStyleLbl="parChTrans1D4" presStyleIdx="4" presStyleCnt="6"/>
+      <dgm:spPr/>
+      <dgm:t>
+        <a:bodyPr/>
+        <a:lstStyle/>
+        <a:p>
+          <a:pPr latinLnBrk="1"/>
+          <a:endParaRPr lang="ko-KR" altLang="en-US"/>
+        </a:p>
+      </dgm:t>
+    </dgm:pt>
+    <dgm:pt modelId="{4E167195-3545-4951-9A5C-F614584AF0AA}" type="pres">
+      <dgm:prSet presAssocID="{DE2BB136-BCE5-4EAC-B270-6BB0E6EE5A0F}" presName="root2" presStyleCnt="0"/>
+      <dgm:spPr/>
+    </dgm:pt>
+    <dgm:pt modelId="{3624300F-FF8C-4066-8ADA-6287C012466F}" type="pres">
+      <dgm:prSet presAssocID="{DE2BB136-BCE5-4EAC-B270-6BB0E6EE5A0F}" presName="LevelTwoTextNode" presStyleLbl="node4" presStyleIdx="4" presStyleCnt="6">
+        <dgm:presLayoutVars>
+          <dgm:chPref val="3"/>
+        </dgm:presLayoutVars>
+      </dgm:prSet>
+      <dgm:spPr/>
+      <dgm:t>
+        <a:bodyPr/>
+        <a:lstStyle/>
+        <a:p>
+          <a:pPr latinLnBrk="1"/>
+          <a:endParaRPr lang="ko-KR" altLang="en-US"/>
+        </a:p>
+      </dgm:t>
+    </dgm:pt>
+    <dgm:pt modelId="{5ACEF828-30A5-4FA5-8AE7-AA45FD1C4746}" type="pres">
+      <dgm:prSet presAssocID="{DE2BB136-BCE5-4EAC-B270-6BB0E6EE5A0F}" presName="level3hierChild" presStyleCnt="0"/>
+      <dgm:spPr/>
+    </dgm:pt>
+    <dgm:pt modelId="{A25AA59B-51C2-4A38-82CA-4BE2E13EFE8E}" type="pres">
+      <dgm:prSet presAssocID="{2B8DF93E-3C2A-4DC9-8E77-61E6B20A163F}" presName="conn2-1" presStyleLbl="parChTrans1D4" presStyleIdx="5" presStyleCnt="6"/>
+      <dgm:spPr/>
+      <dgm:t>
+        <a:bodyPr/>
+        <a:lstStyle/>
+        <a:p>
+          <a:pPr latinLnBrk="1"/>
+          <a:endParaRPr lang="ko-KR" altLang="en-US"/>
+        </a:p>
+      </dgm:t>
+    </dgm:pt>
+    <dgm:pt modelId="{C6DD2D0D-2C6D-4883-B50D-A99668111980}" type="pres">
+      <dgm:prSet presAssocID="{2B8DF93E-3C2A-4DC9-8E77-61E6B20A163F}" presName="connTx" presStyleLbl="parChTrans1D4" presStyleIdx="5" presStyleCnt="6"/>
+      <dgm:spPr/>
+      <dgm:t>
+        <a:bodyPr/>
+        <a:lstStyle/>
+        <a:p>
+          <a:pPr latinLnBrk="1"/>
+          <a:endParaRPr lang="ko-KR" altLang="en-US"/>
+        </a:p>
+      </dgm:t>
+    </dgm:pt>
+    <dgm:pt modelId="{2689D37E-2F6B-4A62-BFA2-D0A2CF239568}" type="pres">
+      <dgm:prSet presAssocID="{617AF8F2-51D9-4240-A738-7C688388A4CD}" presName="root2" presStyleCnt="0"/>
+      <dgm:spPr/>
+    </dgm:pt>
+    <dgm:pt modelId="{2BF8CC9C-AAF4-44D7-BBF0-C0926BFF9225}" type="pres">
+      <dgm:prSet presAssocID="{617AF8F2-51D9-4240-A738-7C688388A4CD}" presName="LevelTwoTextNode" presStyleLbl="node4" presStyleIdx="5" presStyleCnt="6">
+        <dgm:presLayoutVars>
+          <dgm:chPref val="3"/>
+        </dgm:presLayoutVars>
+      </dgm:prSet>
+      <dgm:spPr/>
+      <dgm:t>
+        <a:bodyPr/>
+        <a:lstStyle/>
+        <a:p>
+          <a:pPr latinLnBrk="1"/>
+          <a:endParaRPr lang="ko-KR" altLang="en-US"/>
+        </a:p>
+      </dgm:t>
+    </dgm:pt>
     <dgm:pt modelId="{8A9307FC-94C8-43A8-916B-C4654B756844}" type="pres">
       <dgm:prSet presAssocID="{617AF8F2-51D9-4240-A738-7C688388A4CD}" presName="level3hierChild" presStyleCnt="0"/>
       <dgm:spPr/>
     </dgm:pt>
   </dgm:ptLst>
   <dgm:cxnLst>
+    <dgm:cxn modelId="{7B54F5A3-B735-40C8-BF30-C811FCAB9087}" type="presOf" srcId="{50C379E4-5CF5-4F7E-8EE5-5CB5EFED5386}" destId="{C659C51F-B1EA-432A-AA44-93ED33A55CB5}" srcOrd="0" destOrd="0" presId="urn:microsoft.com/office/officeart/2008/layout/HorizontalMultiLevelHierarchy"/>
+    <dgm:cxn modelId="{3C682EC5-8B53-4A2F-AF47-9BB6B331D471}" srcId="{DE2BB136-BCE5-4EAC-B270-6BB0E6EE5A0F}" destId="{617AF8F2-51D9-4240-A738-7C688388A4CD}" srcOrd="0" destOrd="0" parTransId="{2B8DF93E-3C2A-4DC9-8E77-61E6B20A163F}" sibTransId="{F7F32161-EC20-40AC-AC65-ACC6C9ED4189}"/>
+    <dgm:cxn modelId="{3F1DB573-4A6E-4B98-B8E3-E17D641B7B07}" type="presOf" srcId="{0EAE4553-6909-46CD-974F-288C85DC558D}" destId="{492CE3B2-627B-4549-8925-3CE7D6B02C8F}" srcOrd="0" destOrd="0" presId="urn:microsoft.com/office/officeart/2008/layout/HorizontalMultiLevelHierarchy"/>
+    <dgm:cxn modelId="{0950FA99-A24D-4297-8CFC-6A8ABA328172}" type="presOf" srcId="{1882D231-FEF5-4FAA-BBCD-74FC5CBC4080}" destId="{623B7F37-D8A7-466D-81CE-62DD22220AB1}" srcOrd="0" destOrd="0" presId="urn:microsoft.com/office/officeart/2008/layout/HorizontalMultiLevelHierarchy"/>
+    <dgm:cxn modelId="{2FE93481-3B48-4424-A79F-0F8DC9AAF697}" type="presOf" srcId="{2B8DF93E-3C2A-4DC9-8E77-61E6B20A163F}" destId="{C6DD2D0D-2C6D-4883-B50D-A99668111980}" srcOrd="1" destOrd="0" presId="urn:microsoft.com/office/officeart/2008/layout/HorizontalMultiLevelHierarchy"/>
+    <dgm:cxn modelId="{A6D0F472-5B5B-4CB5-9B41-86DC26B1C69B}" type="presOf" srcId="{23DAE603-5287-42DE-B8F8-60DFD91B7B81}" destId="{17E3BFF6-4618-40C0-BFFF-764A7B936A4C}" srcOrd="1" destOrd="0" presId="urn:microsoft.com/office/officeart/2008/layout/HorizontalMultiLevelHierarchy"/>
+    <dgm:cxn modelId="{ACF685B7-5CE0-4B19-92A6-BD7B71231976}" srcId="{50C379E4-5CF5-4F7E-8EE5-5CB5EFED5386}" destId="{4FB76040-B506-4956-8E5D-D6187C2287DF}" srcOrd="1" destOrd="0" parTransId="{76508A97-D46C-41F0-AE4E-94B6773AD9BC}" sibTransId="{BFD4E627-8EF4-4E68-A4EE-F32F131728C5}"/>
+    <dgm:cxn modelId="{DE63F2C3-163B-4236-B267-FD79C632ACED}" srcId="{50C379E4-5CF5-4F7E-8EE5-5CB5EFED5386}" destId="{0EAE4553-6909-46CD-974F-288C85DC558D}" srcOrd="0" destOrd="0" parTransId="{797F7439-6A98-4FC0-9E75-FEC2E36B1702}" sibTransId="{1B2C177A-0D43-47DA-AA20-BCBE12ED34FC}"/>
+    <dgm:cxn modelId="{66B70595-12CE-4075-9923-D8842FC4777F}" type="presOf" srcId="{4FB76040-B506-4956-8E5D-D6187C2287DF}" destId="{E5291123-B059-403A-872F-2DA746382EAA}" srcOrd="0" destOrd="0" presId="urn:microsoft.com/office/officeart/2008/layout/HorizontalMultiLevelHierarchy"/>
     <dgm:cxn modelId="{EE7619EC-F597-4C6D-9EBF-2E37E81F03D1}" type="presOf" srcId="{01ACF06F-2D78-43E0-BA5E-E53E77666449}" destId="{E3066F44-D392-4557-82E5-381430198155}" srcOrd="0" destOrd="0" presId="urn:microsoft.com/office/officeart/2008/layout/HorizontalMultiLevelHierarchy"/>
+    <dgm:cxn modelId="{72B761FD-ABE2-4F01-91BD-F7A919DA90C3}" type="presOf" srcId="{1A39B7DF-1325-4349-A9E4-230F6479A46B}" destId="{77792EB9-EFF6-4F79-B48B-14B6BA030361}" srcOrd="1" destOrd="0" presId="urn:microsoft.com/office/officeart/2008/layout/HorizontalMultiLevelHierarchy"/>
+    <dgm:cxn modelId="{11D55594-8121-4C60-B8F8-186B486AA0C1}" type="presOf" srcId="{C1A8C48D-9BDC-4BD3-9C47-270D284376BB}" destId="{B25158D8-1E8B-4F99-8DC4-D61D11A82AC3}" srcOrd="1" destOrd="0" presId="urn:microsoft.com/office/officeart/2008/layout/HorizontalMultiLevelHierarchy"/>
+    <dgm:cxn modelId="{783AE201-C137-4BFC-9C81-43C284376688}" srcId="{3A3FDADA-5F37-43B1-9143-D9F8EE94D8CB}" destId="{1882D231-FEF5-4FAA-BBCD-74FC5CBC4080}" srcOrd="0" destOrd="0" parTransId="{FD5E04CC-75D8-4D50-BF76-7FFDCAD65915}" sibTransId="{448EC718-4B76-4241-99E3-66FE3DDB29F4}"/>
+    <dgm:cxn modelId="{74669F3D-E34E-448E-8B87-B5A130081B04}" type="presOf" srcId="{FD5E04CC-75D8-4D50-BF76-7FFDCAD65915}" destId="{C2EBD83D-DE58-4884-91E9-E43718406953}" srcOrd="1" destOrd="0" presId="urn:microsoft.com/office/officeart/2008/layout/HorizontalMultiLevelHierarchy"/>
+    <dgm:cxn modelId="{58EFF62A-CFCA-4285-981D-803B26E8B607}" type="presOf" srcId="{1A39B7DF-1325-4349-A9E4-230F6479A46B}" destId="{433717D8-9E15-4388-BADE-7ADE4F2B0407}" srcOrd="0" destOrd="0" presId="urn:microsoft.com/office/officeart/2008/layout/HorizontalMultiLevelHierarchy"/>
+    <dgm:cxn modelId="{FCFB2150-F3B9-4FA1-9061-93B2487F22B2}" type="presOf" srcId="{A1227CCF-108F-4AF3-8366-5AC6DB743F8C}" destId="{2832FE5D-FA0B-4FAC-BCCE-CA248BC550CF}" srcOrd="0" destOrd="0" presId="urn:microsoft.com/office/officeart/2008/layout/HorizontalMultiLevelHierarchy"/>
+    <dgm:cxn modelId="{B58753B8-5C0C-49A3-B55D-EE1C12AACEB9}" srcId="{CC99EDAB-DFB1-4812-BD40-77D568B3EAE2}" destId="{4B39B776-C696-4E03-9421-FDAEC7850C55}" srcOrd="0" destOrd="0" parTransId="{01ACF06F-2D78-43E0-BA5E-E53E77666449}" sibTransId="{86331E4B-EA1B-49A0-AB90-2EB4AF736F55}"/>
+    <dgm:cxn modelId="{999A4033-117C-44F5-B9C0-66AA4D8A131F}" type="presOf" srcId="{76508A97-D46C-41F0-AE4E-94B6773AD9BC}" destId="{A6645935-14B8-4A26-BF89-CB6EAF36BC79}" srcOrd="0" destOrd="0" presId="urn:microsoft.com/office/officeart/2008/layout/HorizontalMultiLevelHierarchy"/>
+    <dgm:cxn modelId="{9B46A84B-0648-4CFC-A3FD-45B7B08D2B7C}" srcId="{4B39B776-C696-4E03-9421-FDAEC7850C55}" destId="{50C379E4-5CF5-4F7E-8EE5-5CB5EFED5386}" srcOrd="0" destOrd="0" parTransId="{1A39B7DF-1325-4349-A9E4-230F6479A46B}" sibTransId="{50BDDCD0-3648-4DE8-BF76-E0F417DF683F}"/>
+    <dgm:cxn modelId="{F37F896E-F9E3-4F71-B96B-FE3E0F860BCA}" type="presOf" srcId="{797F7439-6A98-4FC0-9E75-FEC2E36B1702}" destId="{6F27C403-4394-40A1-AE8D-FB7516C1C08D}" srcOrd="1" destOrd="0" presId="urn:microsoft.com/office/officeart/2008/layout/HorizontalMultiLevelHierarchy"/>
+    <dgm:cxn modelId="{EEA7F0EE-F6D3-4555-85E9-FF8B97CA74E3}" type="presOf" srcId="{01ACF06F-2D78-43E0-BA5E-E53E77666449}" destId="{46E28502-19DD-484A-A817-7B36B9F54A76}" srcOrd="1" destOrd="0" presId="urn:microsoft.com/office/officeart/2008/layout/HorizontalMultiLevelHierarchy"/>
+    <dgm:cxn modelId="{723BEA0B-3DDA-4D32-B011-3EBD645237F9}" srcId="{0BD0222C-52F9-4A74-8A7C-FDC63AF7F18B}" destId="{C96B01E5-6449-432E-B19E-EA275837695E}" srcOrd="0" destOrd="0" parTransId="{C81906EB-62AD-4D86-A659-E1F692C3983A}" sibTransId="{0CC0A389-0C66-4DDF-9FE4-5ED399B026B5}"/>
+    <dgm:cxn modelId="{52856C57-7F2B-46DF-B048-E97A562175C4}" type="presOf" srcId="{0BD0222C-52F9-4A74-8A7C-FDC63AF7F18B}" destId="{D373FBD2-9D19-4F48-B4DB-F28CA36E3751}" srcOrd="0" destOrd="0" presId="urn:microsoft.com/office/officeart/2008/layout/HorizontalMultiLevelHierarchy"/>
+    <dgm:cxn modelId="{DB780443-6D8F-4654-BA66-A9003968BFE8}" type="presOf" srcId="{CC99EDAB-DFB1-4812-BD40-77D568B3EAE2}" destId="{197F1A79-C06B-4F16-9059-089E06B72681}" srcOrd="0" destOrd="0" presId="urn:microsoft.com/office/officeart/2008/layout/HorizontalMultiLevelHierarchy"/>
+    <dgm:cxn modelId="{34045273-EA69-4B84-824E-9C1C8D725827}" type="presOf" srcId="{C1A8C48D-9BDC-4BD3-9C47-270D284376BB}" destId="{8A823368-C90B-4B0D-BF1D-90411CA229CD}" srcOrd="0" destOrd="0" presId="urn:microsoft.com/office/officeart/2008/layout/HorizontalMultiLevelHierarchy"/>
+    <dgm:cxn modelId="{0B3B788B-0014-4589-884F-2D7D02707ACC}" srcId="{C96B01E5-6449-432E-B19E-EA275837695E}" destId="{CC99EDAB-DFB1-4812-BD40-77D568B3EAE2}" srcOrd="0" destOrd="0" parTransId="{23DAE603-5287-42DE-B8F8-60DFD91B7B81}" sibTransId="{FB352E92-B4B4-496F-8E48-36ECA3660D3E}"/>
+    <dgm:cxn modelId="{B9B0C8A0-0596-4472-B916-71CBBEC4BBE0}" type="presOf" srcId="{617AF8F2-51D9-4240-A738-7C688388A4CD}" destId="{2BF8CC9C-AAF4-44D7-BBF0-C0926BFF9225}" srcOrd="0" destOrd="0" presId="urn:microsoft.com/office/officeart/2008/layout/HorizontalMultiLevelHierarchy"/>
+    <dgm:cxn modelId="{948B414B-237E-45F5-88C9-DD3DFB110010}" type="presOf" srcId="{797F7439-6A98-4FC0-9E75-FEC2E36B1702}" destId="{EBD1FE74-F507-4F3B-96B4-68595736B1C4}" srcOrd="0" destOrd="0" presId="urn:microsoft.com/office/officeart/2008/layout/HorizontalMultiLevelHierarchy"/>
+    <dgm:cxn modelId="{748095EF-C696-4467-A95F-77619764CA56}" srcId="{1882D231-FEF5-4FAA-BBCD-74FC5CBC4080}" destId="{DE2BB136-BCE5-4EAC-B270-6BB0E6EE5A0F}" srcOrd="0" destOrd="0" parTransId="{A1227CCF-108F-4AF3-8366-5AC6DB743F8C}" sibTransId="{2EC66EB6-C2EC-451B-B190-920A342C24AE}"/>
+    <dgm:cxn modelId="{98241E63-7DC8-4CDA-84A9-8EBAAE20F143}" type="presOf" srcId="{FD5E04CC-75D8-4D50-BF76-7FFDCAD65915}" destId="{6A26DF4C-5C0F-472C-84A7-8B6C8A90C8EC}" srcOrd="0" destOrd="0" presId="urn:microsoft.com/office/officeart/2008/layout/HorizontalMultiLevelHierarchy"/>
+    <dgm:cxn modelId="{9841E8A9-517C-4832-8804-EC96C23C7315}" type="presOf" srcId="{DE2BB136-BCE5-4EAC-B270-6BB0E6EE5A0F}" destId="{3624300F-FF8C-4066-8ADA-6287C012466F}" srcOrd="0" destOrd="0" presId="urn:microsoft.com/office/officeart/2008/layout/HorizontalMultiLevelHierarchy"/>
+    <dgm:cxn modelId="{4C90053B-7B6D-4D6E-897A-CE085548D3D1}" type="presOf" srcId="{A1227CCF-108F-4AF3-8366-5AC6DB743F8C}" destId="{173FE093-1046-49DC-A33F-47CB30AAD018}" srcOrd="1" destOrd="0" presId="urn:microsoft.com/office/officeart/2008/layout/HorizontalMultiLevelHierarchy"/>
+    <dgm:cxn modelId="{2DA448F6-2F53-45D2-90A0-E3BBAF6B026A}" type="presOf" srcId="{2B8DF93E-3C2A-4DC9-8E77-61E6B20A163F}" destId="{A25AA59B-51C2-4A38-82CA-4BE2E13EFE8E}" srcOrd="0" destOrd="0" presId="urn:microsoft.com/office/officeart/2008/layout/HorizontalMultiLevelHierarchy"/>
     <dgm:cxn modelId="{979E04FD-4292-4CCC-A2DF-3952F8CED422}" type="presOf" srcId="{76508A97-D46C-41F0-AE4E-94B6773AD9BC}" destId="{8D693795-6E55-4FF6-AC8B-CA974B91219C}" srcOrd="1" destOrd="0" presId="urn:microsoft.com/office/officeart/2008/layout/HorizontalMultiLevelHierarchy"/>
-    <dgm:cxn modelId="{999A4033-117C-44F5-B9C0-66AA4D8A131F}" type="presOf" srcId="{76508A97-D46C-41F0-AE4E-94B6773AD9BC}" destId="{A6645935-14B8-4A26-BF89-CB6EAF36BC79}" srcOrd="0" destOrd="0" presId="urn:microsoft.com/office/officeart/2008/layout/HorizontalMultiLevelHierarchy"/>
-    <dgm:cxn modelId="{4C90053B-7B6D-4D6E-897A-CE085548D3D1}" type="presOf" srcId="{A1227CCF-108F-4AF3-8366-5AC6DB743F8C}" destId="{173FE093-1046-49DC-A33F-47CB30AAD018}" srcOrd="1" destOrd="0" presId="urn:microsoft.com/office/officeart/2008/layout/HorizontalMultiLevelHierarchy"/>
-    <dgm:cxn modelId="{DB780443-6D8F-4654-BA66-A9003968BFE8}" type="presOf" srcId="{CC99EDAB-DFB1-4812-BD40-77D568B3EAE2}" destId="{197F1A79-C06B-4F16-9059-089E06B72681}" srcOrd="0" destOrd="0" presId="urn:microsoft.com/office/officeart/2008/layout/HorizontalMultiLevelHierarchy"/>
-    <dgm:cxn modelId="{58EFF62A-CFCA-4285-981D-803B26E8B607}" type="presOf" srcId="{1A39B7DF-1325-4349-A9E4-230F6479A46B}" destId="{433717D8-9E15-4388-BADE-7ADE4F2B0407}" srcOrd="0" destOrd="0" presId="urn:microsoft.com/office/officeart/2008/layout/HorizontalMultiLevelHierarchy"/>
-    <dgm:cxn modelId="{66B70595-12CE-4075-9923-D8842FC4777F}" type="presOf" srcId="{4FB76040-B506-4956-8E5D-D6187C2287DF}" destId="{E5291123-B059-403A-872F-2DA746382EAA}" srcOrd="0" destOrd="0" presId="urn:microsoft.com/office/officeart/2008/layout/HorizontalMultiLevelHierarchy"/>
-    <dgm:cxn modelId="{783AE201-C137-4BFC-9C81-43C284376688}" srcId="{3A3FDADA-5F37-43B1-9143-D9F8EE94D8CB}" destId="{1882D231-FEF5-4FAA-BBCD-74FC5CBC4080}" srcOrd="0" destOrd="0" parTransId="{FD5E04CC-75D8-4D50-BF76-7FFDCAD65915}" sibTransId="{448EC718-4B76-4241-99E3-66FE3DDB29F4}"/>
-    <dgm:cxn modelId="{A6D0F472-5B5B-4CB5-9B41-86DC26B1C69B}" type="presOf" srcId="{23DAE603-5287-42DE-B8F8-60DFD91B7B81}" destId="{17E3BFF6-4618-40C0-BFFF-764A7B936A4C}" srcOrd="1" destOrd="0" presId="urn:microsoft.com/office/officeart/2008/layout/HorizontalMultiLevelHierarchy"/>
-    <dgm:cxn modelId="{3C682EC5-8B53-4A2F-AF47-9BB6B331D471}" srcId="{DE2BB136-BCE5-4EAC-B270-6BB0E6EE5A0F}" destId="{617AF8F2-51D9-4240-A738-7C688388A4CD}" srcOrd="0" destOrd="0" parTransId="{2B8DF93E-3C2A-4DC9-8E77-61E6B20A163F}" sibTransId="{F7F32161-EC20-40AC-AC65-ACC6C9ED4189}"/>
-    <dgm:cxn modelId="{52856C57-7F2B-46DF-B048-E97A562175C4}" type="presOf" srcId="{0BD0222C-52F9-4A74-8A7C-FDC63AF7F18B}" destId="{D373FBD2-9D19-4F48-B4DB-F28CA36E3751}" srcOrd="0" destOrd="0" presId="urn:microsoft.com/office/officeart/2008/layout/HorizontalMultiLevelHierarchy"/>
+    <dgm:cxn modelId="{D3F61A26-A83F-4746-8C50-6513211D31E0}" type="presOf" srcId="{23DAE603-5287-42DE-B8F8-60DFD91B7B81}" destId="{CAFCAF7D-B1CA-4609-82AE-CB1BD875E521}" srcOrd="0" destOrd="0" presId="urn:microsoft.com/office/officeart/2008/layout/HorizontalMultiLevelHierarchy"/>
+    <dgm:cxn modelId="{BB5EFEAF-5D09-4D15-AE65-9450BD99B119}" type="presOf" srcId="{3A3FDADA-5F37-43B1-9143-D9F8EE94D8CB}" destId="{940FF299-ED3E-4714-AD33-5EFC49D63497}" srcOrd="0" destOrd="0" presId="urn:microsoft.com/office/officeart/2008/layout/HorizontalMultiLevelHierarchy"/>
+    <dgm:cxn modelId="{1707315D-53B9-46AA-BFA5-03719B0A2145}" srcId="{CC99EDAB-DFB1-4812-BD40-77D568B3EAE2}" destId="{3A3FDADA-5F37-43B1-9143-D9F8EE94D8CB}" srcOrd="1" destOrd="0" parTransId="{C1A8C48D-9BDC-4BD3-9C47-270D284376BB}" sibTransId="{D920A37E-4CCA-4476-85E1-475B09673D94}"/>
+    <dgm:cxn modelId="{5E52C363-C32E-4BF1-8E25-6E28F71F1F01}" type="presOf" srcId="{4B39B776-C696-4E03-9421-FDAEC7850C55}" destId="{B94B0EC3-10C0-416D-8DC7-88CE95C974ED}" srcOrd="0" destOrd="0" presId="urn:microsoft.com/office/officeart/2008/layout/HorizontalMultiLevelHierarchy"/>
     <dgm:cxn modelId="{D738E8F5-0A61-41DC-B431-C9627E747DFA}" type="presOf" srcId="{C96B01E5-6449-432E-B19E-EA275837695E}" destId="{46DAD3CA-6D7A-4E23-A3B4-448E0B7A27A0}" srcOrd="0" destOrd="0" presId="urn:microsoft.com/office/officeart/2008/layout/HorizontalMultiLevelHierarchy"/>
-    <dgm:cxn modelId="{0950FA99-A24D-4297-8CFC-6A8ABA328172}" type="presOf" srcId="{1882D231-FEF5-4FAA-BBCD-74FC5CBC4080}" destId="{623B7F37-D8A7-466D-81CE-62DD22220AB1}" srcOrd="0" destOrd="0" presId="urn:microsoft.com/office/officeart/2008/layout/HorizontalMultiLevelHierarchy"/>
-    <dgm:cxn modelId="{DE63F2C3-163B-4236-B267-FD79C632ACED}" srcId="{50C379E4-5CF5-4F7E-8EE5-5CB5EFED5386}" destId="{0EAE4553-6909-46CD-974F-288C85DC558D}" srcOrd="0" destOrd="0" parTransId="{797F7439-6A98-4FC0-9E75-FEC2E36B1702}" sibTransId="{1B2C177A-0D43-47DA-AA20-BCBE12ED34FC}"/>
-    <dgm:cxn modelId="{98241E63-7DC8-4CDA-84A9-8EBAAE20F143}" type="presOf" srcId="{FD5E04CC-75D8-4D50-BF76-7FFDCAD65915}" destId="{6A26DF4C-5C0F-472C-84A7-8B6C8A90C8EC}" srcOrd="0" destOrd="0" presId="urn:microsoft.com/office/officeart/2008/layout/HorizontalMultiLevelHierarchy"/>
-    <dgm:cxn modelId="{FCFB2150-F3B9-4FA1-9061-93B2487F22B2}" type="presOf" srcId="{A1227CCF-108F-4AF3-8366-5AC6DB743F8C}" destId="{2832FE5D-FA0B-4FAC-BCCE-CA248BC550CF}" srcOrd="0" destOrd="0" presId="urn:microsoft.com/office/officeart/2008/layout/HorizontalMultiLevelHierarchy"/>
-    <dgm:cxn modelId="{2FE93481-3B48-4424-A79F-0F8DC9AAF697}" type="presOf" srcId="{2B8DF93E-3C2A-4DC9-8E77-61E6B20A163F}" destId="{C6DD2D0D-2C6D-4883-B50D-A99668111980}" srcOrd="1" destOrd="0" presId="urn:microsoft.com/office/officeart/2008/layout/HorizontalMultiLevelHierarchy"/>
-    <dgm:cxn modelId="{948B414B-237E-45F5-88C9-DD3DFB110010}" type="presOf" srcId="{797F7439-6A98-4FC0-9E75-FEC2E36B1702}" destId="{EBD1FE74-F507-4F3B-96B4-68595736B1C4}" srcOrd="0" destOrd="0" presId="urn:microsoft.com/office/officeart/2008/layout/HorizontalMultiLevelHierarchy"/>
-    <dgm:cxn modelId="{D3F61A26-A83F-4746-8C50-6513211D31E0}" type="presOf" srcId="{23DAE603-5287-42DE-B8F8-60DFD91B7B81}" destId="{CAFCAF7D-B1CA-4609-82AE-CB1BD875E521}" srcOrd="0" destOrd="0" presId="urn:microsoft.com/office/officeart/2008/layout/HorizontalMultiLevelHierarchy"/>
-    <dgm:cxn modelId="{5E52C363-C32E-4BF1-8E25-6E28F71F1F01}" type="presOf" srcId="{4B39B776-C696-4E03-9421-FDAEC7850C55}" destId="{B94B0EC3-10C0-416D-8DC7-88CE95C974ED}" srcOrd="0" destOrd="0" presId="urn:microsoft.com/office/officeart/2008/layout/HorizontalMultiLevelHierarchy"/>
-    <dgm:cxn modelId="{0B3B788B-0014-4589-884F-2D7D02707ACC}" srcId="{C96B01E5-6449-432E-B19E-EA275837695E}" destId="{CC99EDAB-DFB1-4812-BD40-77D568B3EAE2}" srcOrd="0" destOrd="0" parTransId="{23DAE603-5287-42DE-B8F8-60DFD91B7B81}" sibTransId="{FB352E92-B4B4-496F-8E48-36ECA3660D3E}"/>
-    <dgm:cxn modelId="{2DA448F6-2F53-45D2-90A0-E3BBAF6B026A}" type="presOf" srcId="{2B8DF93E-3C2A-4DC9-8E77-61E6B20A163F}" destId="{A25AA59B-51C2-4A38-82CA-4BE2E13EFE8E}" srcOrd="0" destOrd="0" presId="urn:microsoft.com/office/officeart/2008/layout/HorizontalMultiLevelHierarchy"/>
-    <dgm:cxn modelId="{7B54F5A3-B735-40C8-BF30-C811FCAB9087}" type="presOf" srcId="{50C379E4-5CF5-4F7E-8EE5-5CB5EFED5386}" destId="{C659C51F-B1EA-432A-AA44-93ED33A55CB5}" srcOrd="0" destOrd="0" presId="urn:microsoft.com/office/officeart/2008/layout/HorizontalMultiLevelHierarchy"/>
-    <dgm:cxn modelId="{EEA7F0EE-F6D3-4555-85E9-FF8B97CA74E3}" type="presOf" srcId="{01ACF06F-2D78-43E0-BA5E-E53E77666449}" destId="{46E28502-19DD-484A-A817-7B36B9F54A76}" srcOrd="1" destOrd="0" presId="urn:microsoft.com/office/officeart/2008/layout/HorizontalMultiLevelHierarchy"/>
-    <dgm:cxn modelId="{B58753B8-5C0C-49A3-B55D-EE1C12AACEB9}" srcId="{CC99EDAB-DFB1-4812-BD40-77D568B3EAE2}" destId="{4B39B776-C696-4E03-9421-FDAEC7850C55}" srcOrd="0" destOrd="0" parTransId="{01ACF06F-2D78-43E0-BA5E-E53E77666449}" sibTransId="{86331E4B-EA1B-49A0-AB90-2EB4AF736F55}"/>
-    <dgm:cxn modelId="{1707315D-53B9-46AA-BFA5-03719B0A2145}" srcId="{CC99EDAB-DFB1-4812-BD40-77D568B3EAE2}" destId="{3A3FDADA-5F37-43B1-9143-D9F8EE94D8CB}" srcOrd="1" destOrd="0" parTransId="{C1A8C48D-9BDC-4BD3-9C47-270D284376BB}" sibTransId="{D920A37E-4CCA-4476-85E1-475B09673D94}"/>
-    <dgm:cxn modelId="{ACF685B7-5CE0-4B19-92A6-BD7B71231976}" srcId="{50C379E4-5CF5-4F7E-8EE5-5CB5EFED5386}" destId="{4FB76040-B506-4956-8E5D-D6187C2287DF}" srcOrd="1" destOrd="0" parTransId="{76508A97-D46C-41F0-AE4E-94B6773AD9BC}" sibTransId="{BFD4E627-8EF4-4E68-A4EE-F32F131728C5}"/>
-    <dgm:cxn modelId="{74669F3D-E34E-448E-8B87-B5A130081B04}" type="presOf" srcId="{FD5E04CC-75D8-4D50-BF76-7FFDCAD65915}" destId="{C2EBD83D-DE58-4884-91E9-E43718406953}" srcOrd="1" destOrd="0" presId="urn:microsoft.com/office/officeart/2008/layout/HorizontalMultiLevelHierarchy"/>
-    <dgm:cxn modelId="{BB5EFEAF-5D09-4D15-AE65-9450BD99B119}" type="presOf" srcId="{3A3FDADA-5F37-43B1-9143-D9F8EE94D8CB}" destId="{940FF299-ED3E-4714-AD33-5EFC49D63497}" srcOrd="0" destOrd="0" presId="urn:microsoft.com/office/officeart/2008/layout/HorizontalMultiLevelHierarchy"/>
-    <dgm:cxn modelId="{3F1DB573-4A6E-4B98-B8E3-E17D641B7B07}" type="presOf" srcId="{0EAE4553-6909-46CD-974F-288C85DC558D}" destId="{492CE3B2-627B-4549-8925-3CE7D6B02C8F}" srcOrd="0" destOrd="0" presId="urn:microsoft.com/office/officeart/2008/layout/HorizontalMultiLevelHierarchy"/>
-    <dgm:cxn modelId="{9B46A84B-0648-4CFC-A3FD-45B7B08D2B7C}" srcId="{4B39B776-C696-4E03-9421-FDAEC7850C55}" destId="{50C379E4-5CF5-4F7E-8EE5-5CB5EFED5386}" srcOrd="0" destOrd="0" parTransId="{1A39B7DF-1325-4349-A9E4-230F6479A46B}" sibTransId="{50BDDCD0-3648-4DE8-BF76-E0F417DF683F}"/>
-    <dgm:cxn modelId="{B9B0C8A0-0596-4472-B916-71CBBEC4BBE0}" type="presOf" srcId="{617AF8F2-51D9-4240-A738-7C688388A4CD}" destId="{2BF8CC9C-AAF4-44D7-BBF0-C0926BFF9225}" srcOrd="0" destOrd="0" presId="urn:microsoft.com/office/officeart/2008/layout/HorizontalMultiLevelHierarchy"/>
-    <dgm:cxn modelId="{F37F896E-F9E3-4F71-B96B-FE3E0F860BCA}" type="presOf" srcId="{797F7439-6A98-4FC0-9E75-FEC2E36B1702}" destId="{6F27C403-4394-40A1-AE8D-FB7516C1C08D}" srcOrd="1" destOrd="0" presId="urn:microsoft.com/office/officeart/2008/layout/HorizontalMultiLevelHierarchy"/>
-    <dgm:cxn modelId="{748095EF-C696-4467-A95F-77619764CA56}" srcId="{1882D231-FEF5-4FAA-BBCD-74FC5CBC4080}" destId="{DE2BB136-BCE5-4EAC-B270-6BB0E6EE5A0F}" srcOrd="0" destOrd="0" parTransId="{A1227CCF-108F-4AF3-8366-5AC6DB743F8C}" sibTransId="{2EC66EB6-C2EC-451B-B190-920A342C24AE}"/>
-    <dgm:cxn modelId="{34045273-EA69-4B84-824E-9C1C8D725827}" type="presOf" srcId="{C1A8C48D-9BDC-4BD3-9C47-270D284376BB}" destId="{8A823368-C90B-4B0D-BF1D-90411CA229CD}" srcOrd="0" destOrd="0" presId="urn:microsoft.com/office/officeart/2008/layout/HorizontalMultiLevelHierarchy"/>
-    <dgm:cxn modelId="{9841E8A9-517C-4832-8804-EC96C23C7315}" type="presOf" srcId="{DE2BB136-BCE5-4EAC-B270-6BB0E6EE5A0F}" destId="{3624300F-FF8C-4066-8ADA-6287C012466F}" srcOrd="0" destOrd="0" presId="urn:microsoft.com/office/officeart/2008/layout/HorizontalMultiLevelHierarchy"/>
-    <dgm:cxn modelId="{723BEA0B-3DDA-4D32-B011-3EBD645237F9}" srcId="{0BD0222C-52F9-4A74-8A7C-FDC63AF7F18B}" destId="{C96B01E5-6449-432E-B19E-EA275837695E}" srcOrd="0" destOrd="0" parTransId="{C81906EB-62AD-4D86-A659-E1F692C3983A}" sibTransId="{0CC0A389-0C66-4DDF-9FE4-5ED399B026B5}"/>
-    <dgm:cxn modelId="{11D55594-8121-4C60-B8F8-186B486AA0C1}" type="presOf" srcId="{C1A8C48D-9BDC-4BD3-9C47-270D284376BB}" destId="{B25158D8-1E8B-4F99-8DC4-D61D11A82AC3}" srcOrd="1" destOrd="0" presId="urn:microsoft.com/office/officeart/2008/layout/HorizontalMultiLevelHierarchy"/>
-    <dgm:cxn modelId="{72B761FD-ABE2-4F01-91BD-F7A919DA90C3}" type="presOf" srcId="{1A39B7DF-1325-4349-A9E4-230F6479A46B}" destId="{77792EB9-EFF6-4F79-B48B-14B6BA030361}" srcOrd="1" destOrd="0" presId="urn:microsoft.com/office/officeart/2008/layout/HorizontalMultiLevelHierarchy"/>
     <dgm:cxn modelId="{458144FC-A71B-43F8-B116-B67719FAC5A7}" type="presParOf" srcId="{D373FBD2-9D19-4F48-B4DB-F28CA36E3751}" destId="{07549C0B-A8F6-41CE-9468-CD21D3A6E42E}" srcOrd="0" destOrd="0" presId="urn:microsoft.com/office/officeart/2008/layout/HorizontalMultiLevelHierarchy"/>
     <dgm:cxn modelId="{9D93D803-280A-4D1D-BA82-2A59F46A69A8}" type="presParOf" srcId="{07549C0B-A8F6-41CE-9468-CD21D3A6E42E}" destId="{46DAD3CA-6D7A-4E23-A3B4-448E0B7A27A0}" srcOrd="0" destOrd="0" presId="urn:microsoft.com/office/officeart/2008/layout/HorizontalMultiLevelHierarchy"/>
     <dgm:cxn modelId="{2AFDA100-02AE-4516-BDDA-EDE4B6FCB5F1}" type="presParOf" srcId="{07549C0B-A8F6-41CE-9468-CD21D3A6E42E}" destId="{1C005A7B-22D7-42B9-B175-F325F183D757}" srcOrd="1" destOrd="0" presId="urn:microsoft.com/office/officeart/2008/layout/HorizontalMultiLevelHierarchy"/>
@@ -2633,6 +2803,14 @@
         </dgm:presLayoutVars>
       </dgm:prSet>
       <dgm:spPr/>
+      <dgm:t>
+        <a:bodyPr/>
+        <a:lstStyle/>
+        <a:p>
+          <a:pPr latinLnBrk="1"/>
+          <a:endParaRPr lang="ko-KR" altLang="en-US"/>
+        </a:p>
+      </dgm:t>
     </dgm:pt>
     <dgm:pt modelId="{4F869A28-76D8-4F05-AD83-090FB672FC76}" type="pres">
       <dgm:prSet presAssocID="{17946132-72BC-482C-9786-1377E6786BCA}" presName="root1" presStyleCnt="0"/>
@@ -2645,6 +2823,14 @@
         </dgm:presLayoutVars>
       </dgm:prSet>
       <dgm:spPr/>
+      <dgm:t>
+        <a:bodyPr/>
+        <a:lstStyle/>
+        <a:p>
+          <a:pPr latinLnBrk="1"/>
+          <a:endParaRPr lang="ko-KR" altLang="en-US"/>
+        </a:p>
+      </dgm:t>
     </dgm:pt>
     <dgm:pt modelId="{48518EE8-42DF-4092-849F-388CA67793F6}" type="pres">
       <dgm:prSet presAssocID="{17946132-72BC-482C-9786-1377E6786BCA}" presName="level2hierChild" presStyleCnt="0"/>
@@ -2653,10 +2839,26 @@
     <dgm:pt modelId="{87ABA6C6-A18D-43CC-A595-782484CEEA6C}" type="pres">
       <dgm:prSet presAssocID="{3FAEAA71-00D8-4CF5-BECD-5F918DE81D4B}" presName="conn2-1" presStyleLbl="parChTrans1D2" presStyleIdx="0" presStyleCnt="3"/>
       <dgm:spPr/>
+      <dgm:t>
+        <a:bodyPr/>
+        <a:lstStyle/>
+        <a:p>
+          <a:pPr latinLnBrk="1"/>
+          <a:endParaRPr lang="ko-KR" altLang="en-US"/>
+        </a:p>
+      </dgm:t>
     </dgm:pt>
     <dgm:pt modelId="{E88024F2-5DB6-4FFF-AA11-A925B37B710A}" type="pres">
       <dgm:prSet presAssocID="{3FAEAA71-00D8-4CF5-BECD-5F918DE81D4B}" presName="connTx" presStyleLbl="parChTrans1D2" presStyleIdx="0" presStyleCnt="3"/>
       <dgm:spPr/>
+      <dgm:t>
+        <a:bodyPr/>
+        <a:lstStyle/>
+        <a:p>
+          <a:pPr latinLnBrk="1"/>
+          <a:endParaRPr lang="ko-KR" altLang="en-US"/>
+        </a:p>
+      </dgm:t>
     </dgm:pt>
     <dgm:pt modelId="{5A7FF94F-DE7F-4881-ABD3-BC93B6C36428}" type="pres">
       <dgm:prSet presAssocID="{3F905D39-5270-4E38-B550-F1B70122C0EA}" presName="root2" presStyleCnt="0"/>
@@ -2669,6 +2871,14 @@
         </dgm:presLayoutVars>
       </dgm:prSet>
       <dgm:spPr/>
+      <dgm:t>
+        <a:bodyPr/>
+        <a:lstStyle/>
+        <a:p>
+          <a:pPr latinLnBrk="1"/>
+          <a:endParaRPr lang="ko-KR" altLang="en-US"/>
+        </a:p>
+      </dgm:t>
     </dgm:pt>
     <dgm:pt modelId="{41DE16A7-53E9-4534-85FA-7EB748CCBC2E}" type="pres">
       <dgm:prSet presAssocID="{3F905D39-5270-4E38-B550-F1B70122C0EA}" presName="level3hierChild" presStyleCnt="0"/>
@@ -2677,10 +2887,26 @@
     <dgm:pt modelId="{E1620D00-2E87-4899-919E-9665F16A6FDA}" type="pres">
       <dgm:prSet presAssocID="{2A230AEE-D37A-49C4-9CB7-8B43AC047161}" presName="conn2-1" presStyleLbl="parChTrans1D2" presStyleIdx="1" presStyleCnt="3"/>
       <dgm:spPr/>
+      <dgm:t>
+        <a:bodyPr/>
+        <a:lstStyle/>
+        <a:p>
+          <a:pPr latinLnBrk="1"/>
+          <a:endParaRPr lang="ko-KR" altLang="en-US"/>
+        </a:p>
+      </dgm:t>
     </dgm:pt>
     <dgm:pt modelId="{2766E564-DAB5-46C2-B60A-77892D22F29B}" type="pres">
       <dgm:prSet presAssocID="{2A230AEE-D37A-49C4-9CB7-8B43AC047161}" presName="connTx" presStyleLbl="parChTrans1D2" presStyleIdx="1" presStyleCnt="3"/>
       <dgm:spPr/>
+      <dgm:t>
+        <a:bodyPr/>
+        <a:lstStyle/>
+        <a:p>
+          <a:pPr latinLnBrk="1"/>
+          <a:endParaRPr lang="ko-KR" altLang="en-US"/>
+        </a:p>
+      </dgm:t>
     </dgm:pt>
     <dgm:pt modelId="{868E86EE-2446-470B-9E11-083241B8FB5A}" type="pres">
       <dgm:prSet presAssocID="{AC4368E7-CFEE-4308-87E5-A4A4FBEA6C9B}" presName="root2" presStyleCnt="0"/>
@@ -2693,6 +2919,14 @@
         </dgm:presLayoutVars>
       </dgm:prSet>
       <dgm:spPr/>
+      <dgm:t>
+        <a:bodyPr/>
+        <a:lstStyle/>
+        <a:p>
+          <a:pPr latinLnBrk="1"/>
+          <a:endParaRPr lang="ko-KR" altLang="en-US"/>
+        </a:p>
+      </dgm:t>
     </dgm:pt>
     <dgm:pt modelId="{3BB9E941-98B3-48B6-8AC4-31357FC998EF}" type="pres">
       <dgm:prSet presAssocID="{AC4368E7-CFEE-4308-87E5-A4A4FBEA6C9B}" presName="level3hierChild" presStyleCnt="0"/>
@@ -2701,10 +2935,26 @@
     <dgm:pt modelId="{C073B07A-34B7-467A-9A46-294B96988DC7}" type="pres">
       <dgm:prSet presAssocID="{144BAD9E-5C73-426C-A21E-FC912E44B581}" presName="conn2-1" presStyleLbl="parChTrans1D2" presStyleIdx="2" presStyleCnt="3"/>
       <dgm:spPr/>
+      <dgm:t>
+        <a:bodyPr/>
+        <a:lstStyle/>
+        <a:p>
+          <a:pPr latinLnBrk="1"/>
+          <a:endParaRPr lang="ko-KR" altLang="en-US"/>
+        </a:p>
+      </dgm:t>
     </dgm:pt>
     <dgm:pt modelId="{43E61B99-C62A-48FB-9AF7-FB528733AC2A}" type="pres">
       <dgm:prSet presAssocID="{144BAD9E-5C73-426C-A21E-FC912E44B581}" presName="connTx" presStyleLbl="parChTrans1D2" presStyleIdx="2" presStyleCnt="3"/>
       <dgm:spPr/>
+      <dgm:t>
+        <a:bodyPr/>
+        <a:lstStyle/>
+        <a:p>
+          <a:pPr latinLnBrk="1"/>
+          <a:endParaRPr lang="ko-KR" altLang="en-US"/>
+        </a:p>
+      </dgm:t>
     </dgm:pt>
     <dgm:pt modelId="{3C986331-4CB0-414B-B0F5-A92B647E3928}" type="pres">
       <dgm:prSet presAssocID="{48220956-29E6-47B7-A990-0C6123A77A28}" presName="root2" presStyleCnt="0"/>
@@ -2717,6 +2967,14 @@
         </dgm:presLayoutVars>
       </dgm:prSet>
       <dgm:spPr/>
+      <dgm:t>
+        <a:bodyPr/>
+        <a:lstStyle/>
+        <a:p>
+          <a:pPr latinLnBrk="1"/>
+          <a:endParaRPr lang="ko-KR" altLang="en-US"/>
+        </a:p>
+      </dgm:t>
     </dgm:pt>
     <dgm:pt modelId="{60632932-CDE5-48DC-AA0E-FC8DF3683E2B}" type="pres">
       <dgm:prSet presAssocID="{48220956-29E6-47B7-A990-0C6123A77A28}" presName="level3hierChild" presStyleCnt="0"/>
@@ -2735,8 +2993,8 @@
     <dgm:cxn modelId="{19376F11-1203-427A-8FD5-F7C65654A086}" type="presOf" srcId="{48220956-29E6-47B7-A990-0C6123A77A28}" destId="{8652FAD6-F4B1-4824-BF7E-AC9041DE1ACC}" srcOrd="0" destOrd="0" presId="urn:microsoft.com/office/officeart/2008/layout/HorizontalMultiLevelHierarchy"/>
     <dgm:cxn modelId="{2264DE84-DA96-4CE5-A9C5-B46F95ED3EEF}" type="presOf" srcId="{AC4368E7-CFEE-4308-87E5-A4A4FBEA6C9B}" destId="{1504979A-68BC-4B6C-A113-59FCD2E14368}" srcOrd="0" destOrd="0" presId="urn:microsoft.com/office/officeart/2008/layout/HorizontalMultiLevelHierarchy"/>
     <dgm:cxn modelId="{D480C390-075D-46C2-832E-CBD54D01912D}" type="presOf" srcId="{17946132-72BC-482C-9786-1377E6786BCA}" destId="{D7E1D699-C5C1-4053-8755-36214768B582}" srcOrd="0" destOrd="0" presId="urn:microsoft.com/office/officeart/2008/layout/HorizontalMultiLevelHierarchy"/>
+    <dgm:cxn modelId="{E016515D-9A34-48A1-AAA5-434676E61E4E}" type="presOf" srcId="{53A23567-31AA-444E-AA9C-56CC022088D8}" destId="{29009971-6A3D-4E64-B592-C4F654371055}" srcOrd="0" destOrd="0" presId="urn:microsoft.com/office/officeart/2008/layout/HorizontalMultiLevelHierarchy"/>
     <dgm:cxn modelId="{0B86DE73-0B41-4114-BA41-EEDCD5CA8370}" type="presOf" srcId="{2A230AEE-D37A-49C4-9CB7-8B43AC047161}" destId="{2766E564-DAB5-46C2-B60A-77892D22F29B}" srcOrd="1" destOrd="0" presId="urn:microsoft.com/office/officeart/2008/layout/HorizontalMultiLevelHierarchy"/>
-    <dgm:cxn modelId="{E016515D-9A34-48A1-AAA5-434676E61E4E}" type="presOf" srcId="{53A23567-31AA-444E-AA9C-56CC022088D8}" destId="{29009971-6A3D-4E64-B592-C4F654371055}" srcOrd="0" destOrd="0" presId="urn:microsoft.com/office/officeart/2008/layout/HorizontalMultiLevelHierarchy"/>
     <dgm:cxn modelId="{15F903CF-AAB6-4853-B296-89DF1B7F2E21}" srcId="{17946132-72BC-482C-9786-1377E6786BCA}" destId="{48220956-29E6-47B7-A990-0C6123A77A28}" srcOrd="2" destOrd="0" parTransId="{144BAD9E-5C73-426C-A21E-FC912E44B581}" sibTransId="{BDE5F61C-9617-48DF-B823-A265D336574B}"/>
     <dgm:cxn modelId="{143D3870-115D-40AD-9A67-5A3C3C8E5663}" type="presOf" srcId="{3FAEAA71-00D8-4CF5-BECD-5F918DE81D4B}" destId="{87ABA6C6-A18D-43CC-A595-782484CEEA6C}" srcOrd="0" destOrd="0" presId="urn:microsoft.com/office/officeart/2008/layout/HorizontalMultiLevelHierarchy"/>
     <dgm:cxn modelId="{33B1C0B2-8554-473F-8D73-6AB3E5B9D066}" type="presParOf" srcId="{29009971-6A3D-4E64-B592-C4F654371055}" destId="{4F869A28-76D8-4F05-AD83-090FB672FC76}" srcOrd="0" destOrd="0" presId="urn:microsoft.com/office/officeart/2008/layout/HorizontalMultiLevelHierarchy"/>
@@ -2776,1530 +3034,6 @@
       <dsp:cNvGrpSpPr/>
     </dsp:nvGrpSpPr>
     <dsp:grpSpPr/>
-    <dsp:sp modelId="{A25AA59B-51C2-4A38-82CA-4BE2E13EFE8E}">
-      <dsp:nvSpPr>
-        <dsp:cNvPr id="0" name=""/>
-        <dsp:cNvSpPr/>
-      </dsp:nvSpPr>
-      <dsp:spPr>
-        <a:xfrm>
-          <a:off x="6578307" y="3031690"/>
-          <a:ext cx="257555" cy="91440"/>
-        </a:xfrm>
-        <a:custGeom>
-          <a:avLst/>
-          <a:gdLst/>
-          <a:ahLst/>
-          <a:cxnLst/>
-          <a:rect l="0" t="0" r="0" b="0"/>
-          <a:pathLst>
-            <a:path>
-              <a:moveTo>
-                <a:pt x="0" y="45720"/>
-              </a:moveTo>
-              <a:lnTo>
-                <a:pt x="257555" y="45720"/>
-              </a:lnTo>
-            </a:path>
-          </a:pathLst>
-        </a:custGeom>
-        <a:noFill/>
-        <a:ln w="12700" cap="flat" cmpd="sng" algn="ctr">
-          <a:solidFill>
-            <a:schemeClr val="accent1">
-              <a:shade val="80000"/>
-              <a:hueOff val="0"/>
-              <a:satOff val="0"/>
-              <a:lumOff val="0"/>
-              <a:alphaOff val="0"/>
-            </a:schemeClr>
-          </a:solidFill>
-          <a:prstDash val="solid"/>
-          <a:miter lim="800000"/>
-        </a:ln>
-        <a:effectLst/>
-      </dsp:spPr>
-      <dsp:style>
-        <a:lnRef idx="2">
-          <a:scrgbClr r="0" g="0" b="0"/>
-        </a:lnRef>
-        <a:fillRef idx="0">
-          <a:scrgbClr r="0" g="0" b="0"/>
-        </a:fillRef>
-        <a:effectRef idx="0">
-          <a:scrgbClr r="0" g="0" b="0"/>
-        </a:effectRef>
-        <a:fontRef idx="minor"/>
-      </dsp:style>
-      <dsp:txBody>
-        <a:bodyPr spcFirstLastPara="0" vert="horz" wrap="square" lIns="12700" tIns="0" rIns="12700" bIns="0" numCol="1" spcCol="1270" anchor="ctr" anchorCtr="0">
-          <a:noAutofit/>
-        </a:bodyPr>
-        <a:lstStyle/>
-        <a:p>
-          <a:pPr lvl="0" algn="ctr" defTabSz="222250" latinLnBrk="1">
-            <a:lnSpc>
-              <a:spcPct val="90000"/>
-            </a:lnSpc>
-            <a:spcBef>
-              <a:spcPct val="0"/>
-            </a:spcBef>
-            <a:spcAft>
-              <a:spcPct val="35000"/>
-            </a:spcAft>
-          </a:pPr>
-          <a:endParaRPr lang="ko-KR" altLang="en-US" sz="500" kern="1200"/>
-        </a:p>
-      </dsp:txBody>
-      <dsp:txXfrm>
-        <a:off x="6700646" y="3070971"/>
-        <a:ext cx="12877" cy="12877"/>
-      </dsp:txXfrm>
-    </dsp:sp>
-    <dsp:sp modelId="{2832FE5D-FA0B-4FAC-BCCE-CA248BC550CF}">
-      <dsp:nvSpPr>
-        <dsp:cNvPr id="0" name=""/>
-        <dsp:cNvSpPr/>
-      </dsp:nvSpPr>
-      <dsp:spPr>
-        <a:xfrm>
-          <a:off x="5032974" y="3031690"/>
-          <a:ext cx="257555" cy="91440"/>
-        </a:xfrm>
-        <a:custGeom>
-          <a:avLst/>
-          <a:gdLst/>
-          <a:ahLst/>
-          <a:cxnLst/>
-          <a:rect l="0" t="0" r="0" b="0"/>
-          <a:pathLst>
-            <a:path>
-              <a:moveTo>
-                <a:pt x="0" y="45720"/>
-              </a:moveTo>
-              <a:lnTo>
-                <a:pt x="257555" y="45720"/>
-              </a:lnTo>
-            </a:path>
-          </a:pathLst>
-        </a:custGeom>
-        <a:noFill/>
-        <a:ln w="12700" cap="flat" cmpd="sng" algn="ctr">
-          <a:solidFill>
-            <a:schemeClr val="accent1">
-              <a:shade val="80000"/>
-              <a:hueOff val="0"/>
-              <a:satOff val="0"/>
-              <a:lumOff val="0"/>
-              <a:alphaOff val="0"/>
-            </a:schemeClr>
-          </a:solidFill>
-          <a:prstDash val="solid"/>
-          <a:miter lim="800000"/>
-        </a:ln>
-        <a:effectLst/>
-      </dsp:spPr>
-      <dsp:style>
-        <a:lnRef idx="2">
-          <a:scrgbClr r="0" g="0" b="0"/>
-        </a:lnRef>
-        <a:fillRef idx="0">
-          <a:scrgbClr r="0" g="0" b="0"/>
-        </a:fillRef>
-        <a:effectRef idx="0">
-          <a:scrgbClr r="0" g="0" b="0"/>
-        </a:effectRef>
-        <a:fontRef idx="minor"/>
-      </dsp:style>
-      <dsp:txBody>
-        <a:bodyPr spcFirstLastPara="0" vert="horz" wrap="square" lIns="12700" tIns="0" rIns="12700" bIns="0" numCol="1" spcCol="1270" anchor="ctr" anchorCtr="0">
-          <a:noAutofit/>
-        </a:bodyPr>
-        <a:lstStyle/>
-        <a:p>
-          <a:pPr lvl="0" algn="ctr" defTabSz="222250" latinLnBrk="1">
-            <a:lnSpc>
-              <a:spcPct val="90000"/>
-            </a:lnSpc>
-            <a:spcBef>
-              <a:spcPct val="0"/>
-            </a:spcBef>
-            <a:spcAft>
-              <a:spcPct val="35000"/>
-            </a:spcAft>
-          </a:pPr>
-          <a:endParaRPr lang="ko-KR" altLang="en-US" sz="500" kern="1200"/>
-        </a:p>
-      </dsp:txBody>
-      <dsp:txXfrm>
-        <a:off x="5155313" y="3070971"/>
-        <a:ext cx="12877" cy="12877"/>
-      </dsp:txXfrm>
-    </dsp:sp>
-    <dsp:sp modelId="{6A26DF4C-5C0F-472C-84A7-8B6C8A90C8EC}">
-      <dsp:nvSpPr>
-        <dsp:cNvPr id="0" name=""/>
-        <dsp:cNvSpPr/>
-      </dsp:nvSpPr>
-      <dsp:spPr>
-        <a:xfrm>
-          <a:off x="3487640" y="3031690"/>
-          <a:ext cx="257555" cy="91440"/>
-        </a:xfrm>
-        <a:custGeom>
-          <a:avLst/>
-          <a:gdLst/>
-          <a:ahLst/>
-          <a:cxnLst/>
-          <a:rect l="0" t="0" r="0" b="0"/>
-          <a:pathLst>
-            <a:path>
-              <a:moveTo>
-                <a:pt x="0" y="45720"/>
-              </a:moveTo>
-              <a:lnTo>
-                <a:pt x="257555" y="45720"/>
-              </a:lnTo>
-            </a:path>
-          </a:pathLst>
-        </a:custGeom>
-        <a:noFill/>
-        <a:ln w="12700" cap="flat" cmpd="sng" algn="ctr">
-          <a:solidFill>
-            <a:schemeClr val="accent1">
-              <a:shade val="80000"/>
-              <a:hueOff val="0"/>
-              <a:satOff val="0"/>
-              <a:lumOff val="0"/>
-              <a:alphaOff val="0"/>
-            </a:schemeClr>
-          </a:solidFill>
-          <a:prstDash val="solid"/>
-          <a:miter lim="800000"/>
-        </a:ln>
-        <a:effectLst/>
-      </dsp:spPr>
-      <dsp:style>
-        <a:lnRef idx="2">
-          <a:scrgbClr r="0" g="0" b="0"/>
-        </a:lnRef>
-        <a:fillRef idx="0">
-          <a:scrgbClr r="0" g="0" b="0"/>
-        </a:fillRef>
-        <a:effectRef idx="0">
-          <a:scrgbClr r="0" g="0" b="0"/>
-        </a:effectRef>
-        <a:fontRef idx="minor"/>
-      </dsp:style>
-      <dsp:txBody>
-        <a:bodyPr spcFirstLastPara="0" vert="horz" wrap="square" lIns="12700" tIns="0" rIns="12700" bIns="0" numCol="1" spcCol="1270" anchor="ctr" anchorCtr="0">
-          <a:noAutofit/>
-        </a:bodyPr>
-        <a:lstStyle/>
-        <a:p>
-          <a:pPr lvl="0" algn="ctr" defTabSz="222250" latinLnBrk="1">
-            <a:lnSpc>
-              <a:spcPct val="90000"/>
-            </a:lnSpc>
-            <a:spcBef>
-              <a:spcPct val="0"/>
-            </a:spcBef>
-            <a:spcAft>
-              <a:spcPct val="35000"/>
-            </a:spcAft>
-          </a:pPr>
-          <a:endParaRPr lang="ko-KR" altLang="en-US" sz="500" kern="1200"/>
-        </a:p>
-      </dsp:txBody>
-      <dsp:txXfrm>
-        <a:off x="3609979" y="3070971"/>
-        <a:ext cx="12877" cy="12877"/>
-      </dsp:txXfrm>
-    </dsp:sp>
-    <dsp:sp modelId="{8A823368-C90B-4B0D-BF1D-90411CA229CD}">
-      <dsp:nvSpPr>
-        <dsp:cNvPr id="0" name=""/>
-        <dsp:cNvSpPr/>
-      </dsp:nvSpPr>
-      <dsp:spPr>
-        <a:xfrm>
-          <a:off x="1942307" y="2709333"/>
-          <a:ext cx="257555" cy="368076"/>
-        </a:xfrm>
-        <a:custGeom>
-          <a:avLst/>
-          <a:gdLst/>
-          <a:ahLst/>
-          <a:cxnLst/>
-          <a:rect l="0" t="0" r="0" b="0"/>
-          <a:pathLst>
-            <a:path>
-              <a:moveTo>
-                <a:pt x="0" y="0"/>
-              </a:moveTo>
-              <a:lnTo>
-                <a:pt x="128777" y="0"/>
-              </a:lnTo>
-              <a:lnTo>
-                <a:pt x="128777" y="368076"/>
-              </a:lnTo>
-              <a:lnTo>
-                <a:pt x="257555" y="368076"/>
-              </a:lnTo>
-            </a:path>
-          </a:pathLst>
-        </a:custGeom>
-        <a:noFill/>
-        <a:ln w="12700" cap="flat" cmpd="sng" algn="ctr">
-          <a:solidFill>
-            <a:schemeClr val="accent1">
-              <a:shade val="80000"/>
-              <a:hueOff val="0"/>
-              <a:satOff val="0"/>
-              <a:lumOff val="0"/>
-              <a:alphaOff val="0"/>
-            </a:schemeClr>
-          </a:solidFill>
-          <a:prstDash val="solid"/>
-          <a:miter lim="800000"/>
-        </a:ln>
-        <a:effectLst/>
-      </dsp:spPr>
-      <dsp:style>
-        <a:lnRef idx="2">
-          <a:scrgbClr r="0" g="0" b="0"/>
-        </a:lnRef>
-        <a:fillRef idx="0">
-          <a:scrgbClr r="0" g="0" b="0"/>
-        </a:fillRef>
-        <a:effectRef idx="0">
-          <a:scrgbClr r="0" g="0" b="0"/>
-        </a:effectRef>
-        <a:fontRef idx="minor"/>
-      </dsp:style>
-      <dsp:txBody>
-        <a:bodyPr spcFirstLastPara="0" vert="horz" wrap="square" lIns="12700" tIns="0" rIns="12700" bIns="0" numCol="1" spcCol="1270" anchor="ctr" anchorCtr="0">
-          <a:noAutofit/>
-        </a:bodyPr>
-        <a:lstStyle/>
-        <a:p>
-          <a:pPr lvl="0" algn="ctr" defTabSz="222250" latinLnBrk="1">
-            <a:lnSpc>
-              <a:spcPct val="90000"/>
-            </a:lnSpc>
-            <a:spcBef>
-              <a:spcPct val="0"/>
-            </a:spcBef>
-            <a:spcAft>
-              <a:spcPct val="35000"/>
-            </a:spcAft>
-          </a:pPr>
-          <a:endParaRPr lang="ko-KR" altLang="en-US" sz="500" kern="1200"/>
-        </a:p>
-      </dsp:txBody>
-      <dsp:txXfrm>
-        <a:off x="2059854" y="2882140"/>
-        <a:ext cx="22461" cy="22461"/>
-      </dsp:txXfrm>
-    </dsp:sp>
-    <dsp:sp modelId="{A6645935-14B8-4A26-BF89-CB6EAF36BC79}">
-      <dsp:nvSpPr>
-        <dsp:cNvPr id="0" name=""/>
-        <dsp:cNvSpPr/>
-      </dsp:nvSpPr>
-      <dsp:spPr>
-        <a:xfrm>
-          <a:off x="5032974" y="2341256"/>
-          <a:ext cx="257555" cy="245384"/>
-        </a:xfrm>
-        <a:custGeom>
-          <a:avLst/>
-          <a:gdLst/>
-          <a:ahLst/>
-          <a:cxnLst/>
-          <a:rect l="0" t="0" r="0" b="0"/>
-          <a:pathLst>
-            <a:path>
-              <a:moveTo>
-                <a:pt x="0" y="0"/>
-              </a:moveTo>
-              <a:lnTo>
-                <a:pt x="128777" y="0"/>
-              </a:lnTo>
-              <a:lnTo>
-                <a:pt x="128777" y="245384"/>
-              </a:lnTo>
-              <a:lnTo>
-                <a:pt x="257555" y="245384"/>
-              </a:lnTo>
-            </a:path>
-          </a:pathLst>
-        </a:custGeom>
-        <a:noFill/>
-        <a:ln w="12700" cap="flat" cmpd="sng" algn="ctr">
-          <a:solidFill>
-            <a:schemeClr val="accent1">
-              <a:shade val="80000"/>
-              <a:hueOff val="0"/>
-              <a:satOff val="0"/>
-              <a:lumOff val="0"/>
-              <a:alphaOff val="0"/>
-            </a:schemeClr>
-          </a:solidFill>
-          <a:prstDash val="solid"/>
-          <a:miter lim="800000"/>
-        </a:ln>
-        <a:effectLst/>
-      </dsp:spPr>
-      <dsp:style>
-        <a:lnRef idx="2">
-          <a:scrgbClr r="0" g="0" b="0"/>
-        </a:lnRef>
-        <a:fillRef idx="0">
-          <a:scrgbClr r="0" g="0" b="0"/>
-        </a:fillRef>
-        <a:effectRef idx="0">
-          <a:scrgbClr r="0" g="0" b="0"/>
-        </a:effectRef>
-        <a:fontRef idx="minor"/>
-      </dsp:style>
-      <dsp:txBody>
-        <a:bodyPr spcFirstLastPara="0" vert="horz" wrap="square" lIns="12700" tIns="0" rIns="12700" bIns="0" numCol="1" spcCol="1270" anchor="ctr" anchorCtr="0">
-          <a:noAutofit/>
-        </a:bodyPr>
-        <a:lstStyle/>
-        <a:p>
-          <a:pPr lvl="0" algn="ctr" defTabSz="222250" latinLnBrk="1">
-            <a:lnSpc>
-              <a:spcPct val="90000"/>
-            </a:lnSpc>
-            <a:spcBef>
-              <a:spcPct val="0"/>
-            </a:spcBef>
-            <a:spcAft>
-              <a:spcPct val="35000"/>
-            </a:spcAft>
-          </a:pPr>
-          <a:endParaRPr lang="ko-KR" altLang="en-US" sz="500" kern="1200"/>
-        </a:p>
-      </dsp:txBody>
-      <dsp:txXfrm>
-        <a:off x="5152858" y="2455055"/>
-        <a:ext cx="17786" cy="17786"/>
-      </dsp:txXfrm>
-    </dsp:sp>
-    <dsp:sp modelId="{EBD1FE74-F507-4F3B-96B4-68595736B1C4}">
-      <dsp:nvSpPr>
-        <dsp:cNvPr id="0" name=""/>
-        <dsp:cNvSpPr/>
-      </dsp:nvSpPr>
-      <dsp:spPr>
-        <a:xfrm>
-          <a:off x="5032974" y="2095872"/>
-          <a:ext cx="257555" cy="245384"/>
-        </a:xfrm>
-        <a:custGeom>
-          <a:avLst/>
-          <a:gdLst/>
-          <a:ahLst/>
-          <a:cxnLst/>
-          <a:rect l="0" t="0" r="0" b="0"/>
-          <a:pathLst>
-            <a:path>
-              <a:moveTo>
-                <a:pt x="0" y="245384"/>
-              </a:moveTo>
-              <a:lnTo>
-                <a:pt x="128777" y="245384"/>
-              </a:lnTo>
-              <a:lnTo>
-                <a:pt x="128777" y="0"/>
-              </a:lnTo>
-              <a:lnTo>
-                <a:pt x="257555" y="0"/>
-              </a:lnTo>
-            </a:path>
-          </a:pathLst>
-        </a:custGeom>
-        <a:noFill/>
-        <a:ln w="12700" cap="flat" cmpd="sng" algn="ctr">
-          <a:solidFill>
-            <a:schemeClr val="accent1">
-              <a:shade val="80000"/>
-              <a:hueOff val="0"/>
-              <a:satOff val="0"/>
-              <a:lumOff val="0"/>
-              <a:alphaOff val="0"/>
-            </a:schemeClr>
-          </a:solidFill>
-          <a:prstDash val="solid"/>
-          <a:miter lim="800000"/>
-        </a:ln>
-        <a:effectLst/>
-      </dsp:spPr>
-      <dsp:style>
-        <a:lnRef idx="2">
-          <a:scrgbClr r="0" g="0" b="0"/>
-        </a:lnRef>
-        <a:fillRef idx="0">
-          <a:scrgbClr r="0" g="0" b="0"/>
-        </a:fillRef>
-        <a:effectRef idx="0">
-          <a:scrgbClr r="0" g="0" b="0"/>
-        </a:effectRef>
-        <a:fontRef idx="minor"/>
-      </dsp:style>
-      <dsp:txBody>
-        <a:bodyPr spcFirstLastPara="0" vert="horz" wrap="square" lIns="12700" tIns="0" rIns="12700" bIns="0" numCol="1" spcCol="1270" anchor="ctr" anchorCtr="0">
-          <a:noAutofit/>
-        </a:bodyPr>
-        <a:lstStyle/>
-        <a:p>
-          <a:pPr lvl="0" algn="ctr" defTabSz="222250" latinLnBrk="1">
-            <a:lnSpc>
-              <a:spcPct val="90000"/>
-            </a:lnSpc>
-            <a:spcBef>
-              <a:spcPct val="0"/>
-            </a:spcBef>
-            <a:spcAft>
-              <a:spcPct val="35000"/>
-            </a:spcAft>
-          </a:pPr>
-          <a:endParaRPr lang="ko-KR" altLang="en-US" sz="500" kern="1200"/>
-        </a:p>
-      </dsp:txBody>
-      <dsp:txXfrm>
-        <a:off x="5152858" y="2209671"/>
-        <a:ext cx="17786" cy="17786"/>
-      </dsp:txXfrm>
-    </dsp:sp>
-    <dsp:sp modelId="{433717D8-9E15-4388-BADE-7ADE4F2B0407}">
-      <dsp:nvSpPr>
-        <dsp:cNvPr id="0" name=""/>
-        <dsp:cNvSpPr/>
-      </dsp:nvSpPr>
-      <dsp:spPr>
-        <a:xfrm>
-          <a:off x="3487640" y="2295536"/>
-          <a:ext cx="257555" cy="91440"/>
-        </a:xfrm>
-        <a:custGeom>
-          <a:avLst/>
-          <a:gdLst/>
-          <a:ahLst/>
-          <a:cxnLst/>
-          <a:rect l="0" t="0" r="0" b="0"/>
-          <a:pathLst>
-            <a:path>
-              <a:moveTo>
-                <a:pt x="0" y="45720"/>
-              </a:moveTo>
-              <a:lnTo>
-                <a:pt x="257555" y="45720"/>
-              </a:lnTo>
-            </a:path>
-          </a:pathLst>
-        </a:custGeom>
-        <a:noFill/>
-        <a:ln w="12700" cap="flat" cmpd="sng" algn="ctr">
-          <a:solidFill>
-            <a:schemeClr val="accent1">
-              <a:shade val="80000"/>
-              <a:hueOff val="0"/>
-              <a:satOff val="0"/>
-              <a:lumOff val="0"/>
-              <a:alphaOff val="0"/>
-            </a:schemeClr>
-          </a:solidFill>
-          <a:prstDash val="solid"/>
-          <a:miter lim="800000"/>
-        </a:ln>
-        <a:effectLst/>
-      </dsp:spPr>
-      <dsp:style>
-        <a:lnRef idx="2">
-          <a:scrgbClr r="0" g="0" b="0"/>
-        </a:lnRef>
-        <a:fillRef idx="0">
-          <a:scrgbClr r="0" g="0" b="0"/>
-        </a:fillRef>
-        <a:effectRef idx="0">
-          <a:scrgbClr r="0" g="0" b="0"/>
-        </a:effectRef>
-        <a:fontRef idx="minor"/>
-      </dsp:style>
-      <dsp:txBody>
-        <a:bodyPr spcFirstLastPara="0" vert="horz" wrap="square" lIns="12700" tIns="0" rIns="12700" bIns="0" numCol="1" spcCol="1270" anchor="ctr" anchorCtr="0">
-          <a:noAutofit/>
-        </a:bodyPr>
-        <a:lstStyle/>
-        <a:p>
-          <a:pPr lvl="0" algn="ctr" defTabSz="222250" latinLnBrk="1">
-            <a:lnSpc>
-              <a:spcPct val="90000"/>
-            </a:lnSpc>
-            <a:spcBef>
-              <a:spcPct val="0"/>
-            </a:spcBef>
-            <a:spcAft>
-              <a:spcPct val="35000"/>
-            </a:spcAft>
-          </a:pPr>
-          <a:endParaRPr lang="ko-KR" altLang="en-US" sz="500" kern="1200"/>
-        </a:p>
-      </dsp:txBody>
-      <dsp:txXfrm>
-        <a:off x="3609979" y="2334817"/>
-        <a:ext cx="12877" cy="12877"/>
-      </dsp:txXfrm>
-    </dsp:sp>
-    <dsp:sp modelId="{E3066F44-D392-4557-82E5-381430198155}">
-      <dsp:nvSpPr>
-        <dsp:cNvPr id="0" name=""/>
-        <dsp:cNvSpPr/>
-      </dsp:nvSpPr>
-      <dsp:spPr>
-        <a:xfrm>
-          <a:off x="1942307" y="2341256"/>
-          <a:ext cx="257555" cy="368076"/>
-        </a:xfrm>
-        <a:custGeom>
-          <a:avLst/>
-          <a:gdLst/>
-          <a:ahLst/>
-          <a:cxnLst/>
-          <a:rect l="0" t="0" r="0" b="0"/>
-          <a:pathLst>
-            <a:path>
-              <a:moveTo>
-                <a:pt x="0" y="368076"/>
-              </a:moveTo>
-              <a:lnTo>
-                <a:pt x="128777" y="368076"/>
-              </a:lnTo>
-              <a:lnTo>
-                <a:pt x="128777" y="0"/>
-              </a:lnTo>
-              <a:lnTo>
-                <a:pt x="257555" y="0"/>
-              </a:lnTo>
-            </a:path>
-          </a:pathLst>
-        </a:custGeom>
-        <a:noFill/>
-        <a:ln w="12700" cap="flat" cmpd="sng" algn="ctr">
-          <a:solidFill>
-            <a:schemeClr val="accent1">
-              <a:shade val="80000"/>
-              <a:hueOff val="0"/>
-              <a:satOff val="0"/>
-              <a:lumOff val="0"/>
-              <a:alphaOff val="0"/>
-            </a:schemeClr>
-          </a:solidFill>
-          <a:prstDash val="solid"/>
-          <a:miter lim="800000"/>
-        </a:ln>
-        <a:effectLst/>
-      </dsp:spPr>
-      <dsp:style>
-        <a:lnRef idx="2">
-          <a:scrgbClr r="0" g="0" b="0"/>
-        </a:lnRef>
-        <a:fillRef idx="0">
-          <a:scrgbClr r="0" g="0" b="0"/>
-        </a:fillRef>
-        <a:effectRef idx="0">
-          <a:scrgbClr r="0" g="0" b="0"/>
-        </a:effectRef>
-        <a:fontRef idx="minor"/>
-      </dsp:style>
-      <dsp:txBody>
-        <a:bodyPr spcFirstLastPara="0" vert="horz" wrap="square" lIns="12700" tIns="0" rIns="12700" bIns="0" numCol="1" spcCol="1270" anchor="ctr" anchorCtr="0">
-          <a:noAutofit/>
-        </a:bodyPr>
-        <a:lstStyle/>
-        <a:p>
-          <a:pPr lvl="0" algn="ctr" defTabSz="222250" latinLnBrk="1">
-            <a:lnSpc>
-              <a:spcPct val="90000"/>
-            </a:lnSpc>
-            <a:spcBef>
-              <a:spcPct val="0"/>
-            </a:spcBef>
-            <a:spcAft>
-              <a:spcPct val="35000"/>
-            </a:spcAft>
-          </a:pPr>
-          <a:endParaRPr lang="ko-KR" altLang="en-US" sz="500" kern="1200"/>
-        </a:p>
-      </dsp:txBody>
-      <dsp:txXfrm>
-        <a:off x="2059854" y="2514064"/>
-        <a:ext cx="22461" cy="22461"/>
-      </dsp:txXfrm>
-    </dsp:sp>
-    <dsp:sp modelId="{CAFCAF7D-B1CA-4609-82AE-CB1BD875E521}">
-      <dsp:nvSpPr>
-        <dsp:cNvPr id="0" name=""/>
-        <dsp:cNvSpPr/>
-      </dsp:nvSpPr>
-      <dsp:spPr>
-        <a:xfrm>
-          <a:off x="396973" y="2663613"/>
-          <a:ext cx="257555" cy="91440"/>
-        </a:xfrm>
-        <a:custGeom>
-          <a:avLst/>
-          <a:gdLst/>
-          <a:ahLst/>
-          <a:cxnLst/>
-          <a:rect l="0" t="0" r="0" b="0"/>
-          <a:pathLst>
-            <a:path>
-              <a:moveTo>
-                <a:pt x="0" y="45720"/>
-              </a:moveTo>
-              <a:lnTo>
-                <a:pt x="257555" y="45720"/>
-              </a:lnTo>
-            </a:path>
-          </a:pathLst>
-        </a:custGeom>
-        <a:noFill/>
-        <a:ln w="12700" cap="flat" cmpd="sng" algn="ctr">
-          <a:solidFill>
-            <a:schemeClr val="accent1">
-              <a:shade val="60000"/>
-              <a:hueOff val="0"/>
-              <a:satOff val="0"/>
-              <a:lumOff val="0"/>
-              <a:alphaOff val="0"/>
-            </a:schemeClr>
-          </a:solidFill>
-          <a:prstDash val="solid"/>
-          <a:miter lim="800000"/>
-        </a:ln>
-        <a:effectLst/>
-      </dsp:spPr>
-      <dsp:style>
-        <a:lnRef idx="2">
-          <a:scrgbClr r="0" g="0" b="0"/>
-        </a:lnRef>
-        <a:fillRef idx="0">
-          <a:scrgbClr r="0" g="0" b="0"/>
-        </a:fillRef>
-        <a:effectRef idx="0">
-          <a:scrgbClr r="0" g="0" b="0"/>
-        </a:effectRef>
-        <a:fontRef idx="minor"/>
-      </dsp:style>
-      <dsp:txBody>
-        <a:bodyPr spcFirstLastPara="0" vert="horz" wrap="square" lIns="12700" tIns="0" rIns="12700" bIns="0" numCol="1" spcCol="1270" anchor="ctr" anchorCtr="0">
-          <a:noAutofit/>
-        </a:bodyPr>
-        <a:lstStyle/>
-        <a:p>
-          <a:pPr lvl="0" algn="ctr" defTabSz="222250" latinLnBrk="1">
-            <a:lnSpc>
-              <a:spcPct val="90000"/>
-            </a:lnSpc>
-            <a:spcBef>
-              <a:spcPct val="0"/>
-            </a:spcBef>
-            <a:spcAft>
-              <a:spcPct val="35000"/>
-            </a:spcAft>
-          </a:pPr>
-          <a:endParaRPr lang="ko-KR" altLang="en-US" sz="500" kern="1200"/>
-        </a:p>
-      </dsp:txBody>
-      <dsp:txXfrm>
-        <a:off x="519312" y="2702894"/>
-        <a:ext cx="12877" cy="12877"/>
-      </dsp:txXfrm>
-    </dsp:sp>
-    <dsp:sp modelId="{46DAD3CA-6D7A-4E23-A3B4-448E0B7A27A0}">
-      <dsp:nvSpPr>
-        <dsp:cNvPr id="0" name=""/>
-        <dsp:cNvSpPr/>
-      </dsp:nvSpPr>
-      <dsp:spPr>
-        <a:xfrm rot="16200000">
-          <a:off x="-832531" y="2513025"/>
-          <a:ext cx="2066395" cy="392615"/>
-        </a:xfrm>
-        <a:prstGeom prst="rect">
-          <a:avLst/>
-        </a:prstGeom>
-        <a:solidFill>
-          <a:schemeClr val="accent1">
-            <a:hueOff val="0"/>
-            <a:satOff val="0"/>
-            <a:lumOff val="0"/>
-            <a:alphaOff val="0"/>
-          </a:schemeClr>
-        </a:solidFill>
-        <a:ln w="12700" cap="flat" cmpd="sng" algn="ctr">
-          <a:solidFill>
-            <a:schemeClr val="lt1">
-              <a:hueOff val="0"/>
-              <a:satOff val="0"/>
-              <a:lumOff val="0"/>
-              <a:alphaOff val="0"/>
-            </a:schemeClr>
-          </a:solidFill>
-          <a:prstDash val="solid"/>
-          <a:miter lim="800000"/>
-        </a:ln>
-        <a:effectLst/>
-      </dsp:spPr>
-      <dsp:style>
-        <a:lnRef idx="2">
-          <a:scrgbClr r="0" g="0" b="0"/>
-        </a:lnRef>
-        <a:fillRef idx="1">
-          <a:scrgbClr r="0" g="0" b="0"/>
-        </a:fillRef>
-        <a:effectRef idx="0">
-          <a:scrgbClr r="0" g="0" b="0"/>
-        </a:effectRef>
-        <a:fontRef idx="minor">
-          <a:schemeClr val="lt1"/>
-        </a:fontRef>
-      </dsp:style>
-      <dsp:txBody>
-        <a:bodyPr spcFirstLastPara="0" vert="horz" wrap="square" lIns="11430" tIns="11430" rIns="11430" bIns="11430" numCol="1" spcCol="1270" anchor="ctr" anchorCtr="0">
-          <a:noAutofit/>
-        </a:bodyPr>
-        <a:lstStyle/>
-        <a:p>
-          <a:pPr lvl="0" algn="ctr" defTabSz="800100" latinLnBrk="1">
-            <a:lnSpc>
-              <a:spcPct val="90000"/>
-            </a:lnSpc>
-            <a:spcBef>
-              <a:spcPct val="0"/>
-            </a:spcBef>
-            <a:spcAft>
-              <a:spcPct val="35000"/>
-            </a:spcAft>
-          </a:pPr>
-          <a:r>
-            <a:rPr lang="en-US" altLang="ko-KR" sz="1800" kern="1200" dirty="0" smtClean="0"/>
-            <a:t>Product()</a:t>
-          </a:r>
-          <a:endParaRPr lang="ko-KR" altLang="en-US" sz="1800" kern="1200" dirty="0"/>
-        </a:p>
-      </dsp:txBody>
-      <dsp:txXfrm>
-        <a:off x="-832531" y="2513025"/>
-        <a:ext cx="2066395" cy="392615"/>
-      </dsp:txXfrm>
-    </dsp:sp>
-    <dsp:sp modelId="{197F1A79-C06B-4F16-9059-089E06B72681}">
-      <dsp:nvSpPr>
-        <dsp:cNvPr id="0" name=""/>
-        <dsp:cNvSpPr/>
-      </dsp:nvSpPr>
-      <dsp:spPr>
-        <a:xfrm>
-          <a:off x="654529" y="2513025"/>
-          <a:ext cx="1287777" cy="392615"/>
-        </a:xfrm>
-        <a:prstGeom prst="rect">
-          <a:avLst/>
-        </a:prstGeom>
-        <a:solidFill>
-          <a:schemeClr val="accent1">
-            <a:hueOff val="0"/>
-            <a:satOff val="0"/>
-            <a:lumOff val="0"/>
-            <a:alphaOff val="0"/>
-          </a:schemeClr>
-        </a:solidFill>
-        <a:ln w="12700" cap="flat" cmpd="sng" algn="ctr">
-          <a:solidFill>
-            <a:schemeClr val="lt1">
-              <a:hueOff val="0"/>
-              <a:satOff val="0"/>
-              <a:lumOff val="0"/>
-              <a:alphaOff val="0"/>
-            </a:schemeClr>
-          </a:solidFill>
-          <a:prstDash val="solid"/>
-          <a:miter lim="800000"/>
-        </a:ln>
-        <a:effectLst/>
-      </dsp:spPr>
-      <dsp:style>
-        <a:lnRef idx="2">
-          <a:scrgbClr r="0" g="0" b="0"/>
-        </a:lnRef>
-        <a:fillRef idx="1">
-          <a:scrgbClr r="0" g="0" b="0"/>
-        </a:fillRef>
-        <a:effectRef idx="0">
-          <a:scrgbClr r="0" g="0" b="0"/>
-        </a:effectRef>
-        <a:fontRef idx="minor">
-          <a:schemeClr val="lt1"/>
-        </a:fontRef>
-      </dsp:style>
-      <dsp:txBody>
-        <a:bodyPr spcFirstLastPara="0" vert="horz" wrap="square" lIns="11430" tIns="11430" rIns="11430" bIns="11430" numCol="1" spcCol="1270" anchor="ctr" anchorCtr="0">
-          <a:noAutofit/>
-        </a:bodyPr>
-        <a:lstStyle/>
-        <a:p>
-          <a:pPr lvl="0" algn="ctr" defTabSz="800100" latinLnBrk="1">
-            <a:lnSpc>
-              <a:spcPct val="90000"/>
-            </a:lnSpc>
-            <a:spcBef>
-              <a:spcPct val="0"/>
-            </a:spcBef>
-            <a:spcAft>
-              <a:spcPct val="35000"/>
-            </a:spcAft>
-          </a:pPr>
-          <a:r>
-            <a:rPr lang="en-US" altLang="ko-KR" sz="1800" kern="1200" dirty="0" smtClean="0"/>
-            <a:t>products</a:t>
-          </a:r>
-          <a:endParaRPr lang="ko-KR" altLang="en-US" sz="1800" kern="1200" dirty="0"/>
-        </a:p>
-      </dsp:txBody>
-      <dsp:txXfrm>
-        <a:off x="654529" y="2513025"/>
-        <a:ext cx="1287777" cy="392615"/>
-      </dsp:txXfrm>
-    </dsp:sp>
-    <dsp:sp modelId="{B94B0EC3-10C0-416D-8DC7-88CE95C974ED}">
-      <dsp:nvSpPr>
-        <dsp:cNvPr id="0" name=""/>
-        <dsp:cNvSpPr/>
-      </dsp:nvSpPr>
-      <dsp:spPr>
-        <a:xfrm>
-          <a:off x="2199862" y="2144949"/>
-          <a:ext cx="1287777" cy="392615"/>
-        </a:xfrm>
-        <a:prstGeom prst="rect">
-          <a:avLst/>
-        </a:prstGeom>
-        <a:solidFill>
-          <a:schemeClr val="accent1">
-            <a:hueOff val="0"/>
-            <a:satOff val="0"/>
-            <a:lumOff val="0"/>
-            <a:alphaOff val="0"/>
-          </a:schemeClr>
-        </a:solidFill>
-        <a:ln w="12700" cap="flat" cmpd="sng" algn="ctr">
-          <a:solidFill>
-            <a:schemeClr val="lt1">
-              <a:hueOff val="0"/>
-              <a:satOff val="0"/>
-              <a:lumOff val="0"/>
-              <a:alphaOff val="0"/>
-            </a:schemeClr>
-          </a:solidFill>
-          <a:prstDash val="solid"/>
-          <a:miter lim="800000"/>
-        </a:ln>
-        <a:effectLst/>
-      </dsp:spPr>
-      <dsp:style>
-        <a:lnRef idx="2">
-          <a:scrgbClr r="0" g="0" b="0"/>
-        </a:lnRef>
-        <a:fillRef idx="1">
-          <a:scrgbClr r="0" g="0" b="0"/>
-        </a:fillRef>
-        <a:effectRef idx="0">
-          <a:scrgbClr r="0" g="0" b="0"/>
-        </a:effectRef>
-        <a:fontRef idx="minor">
-          <a:schemeClr val="lt1"/>
-        </a:fontRef>
-      </dsp:style>
-      <dsp:txBody>
-        <a:bodyPr spcFirstLastPara="0" vert="horz" wrap="square" lIns="11430" tIns="11430" rIns="11430" bIns="11430" numCol="1" spcCol="1270" anchor="ctr" anchorCtr="0">
-          <a:noAutofit/>
-        </a:bodyPr>
-        <a:lstStyle/>
-        <a:p>
-          <a:pPr lvl="0" algn="ctr" defTabSz="800100" latinLnBrk="1">
-            <a:lnSpc>
-              <a:spcPct val="90000"/>
-            </a:lnSpc>
-            <a:spcBef>
-              <a:spcPct val="0"/>
-            </a:spcBef>
-            <a:spcAft>
-              <a:spcPct val="35000"/>
-            </a:spcAft>
-          </a:pPr>
-          <a:r>
-            <a:rPr lang="en-US" altLang="ko-KR" sz="1800" kern="1200" dirty="0" smtClean="0"/>
-            <a:t>product</a:t>
-          </a:r>
-          <a:endParaRPr lang="ko-KR" altLang="en-US" sz="1800" kern="1200" dirty="0"/>
-        </a:p>
-      </dsp:txBody>
-      <dsp:txXfrm>
-        <a:off x="2199862" y="2144949"/>
-        <a:ext cx="1287777" cy="392615"/>
-      </dsp:txXfrm>
-    </dsp:sp>
-    <dsp:sp modelId="{C659C51F-B1EA-432A-AA44-93ED33A55CB5}">
-      <dsp:nvSpPr>
-        <dsp:cNvPr id="0" name=""/>
-        <dsp:cNvSpPr/>
-      </dsp:nvSpPr>
-      <dsp:spPr>
-        <a:xfrm>
-          <a:off x="3745196" y="2144949"/>
-          <a:ext cx="1287777" cy="392615"/>
-        </a:xfrm>
-        <a:prstGeom prst="rect">
-          <a:avLst/>
-        </a:prstGeom>
-        <a:solidFill>
-          <a:schemeClr val="accent1">
-            <a:hueOff val="0"/>
-            <a:satOff val="0"/>
-            <a:lumOff val="0"/>
-            <a:alphaOff val="0"/>
-          </a:schemeClr>
-        </a:solidFill>
-        <a:ln w="12700" cap="flat" cmpd="sng" algn="ctr">
-          <a:solidFill>
-            <a:schemeClr val="lt1">
-              <a:hueOff val="0"/>
-              <a:satOff val="0"/>
-              <a:lumOff val="0"/>
-              <a:alphaOff val="0"/>
-            </a:schemeClr>
-          </a:solidFill>
-          <a:prstDash val="solid"/>
-          <a:miter lim="800000"/>
-        </a:ln>
-        <a:effectLst/>
-      </dsp:spPr>
-      <dsp:style>
-        <a:lnRef idx="2">
-          <a:scrgbClr r="0" g="0" b="0"/>
-        </a:lnRef>
-        <a:fillRef idx="1">
-          <a:scrgbClr r="0" g="0" b="0"/>
-        </a:fillRef>
-        <a:effectRef idx="0">
-          <a:scrgbClr r="0" g="0" b="0"/>
-        </a:effectRef>
-        <a:fontRef idx="minor">
-          <a:schemeClr val="lt1"/>
-        </a:fontRef>
-      </dsp:style>
-      <dsp:txBody>
-        <a:bodyPr spcFirstLastPara="0" vert="horz" wrap="square" lIns="11430" tIns="11430" rIns="11430" bIns="11430" numCol="1" spcCol="1270" anchor="ctr" anchorCtr="0">
-          <a:noAutofit/>
-        </a:bodyPr>
-        <a:lstStyle/>
-        <a:p>
-          <a:pPr lvl="0" algn="ctr" defTabSz="800100" latinLnBrk="1">
-            <a:lnSpc>
-              <a:spcPct val="90000"/>
-            </a:lnSpc>
-            <a:spcBef>
-              <a:spcPct val="0"/>
-            </a:spcBef>
-            <a:spcAft>
-              <a:spcPct val="35000"/>
-            </a:spcAft>
-          </a:pPr>
-          <a:r>
-            <a:rPr lang="en-US" altLang="ko-KR" sz="1800" kern="1200" dirty="0" smtClean="0"/>
-            <a:t>Products</a:t>
-          </a:r>
-          <a:endParaRPr lang="ko-KR" altLang="en-US" sz="1800" kern="1200" dirty="0"/>
-        </a:p>
-      </dsp:txBody>
-      <dsp:txXfrm>
-        <a:off x="3745196" y="2144949"/>
-        <a:ext cx="1287777" cy="392615"/>
-      </dsp:txXfrm>
-    </dsp:sp>
-    <dsp:sp modelId="{492CE3B2-627B-4549-8925-3CE7D6B02C8F}">
-      <dsp:nvSpPr>
-        <dsp:cNvPr id="0" name=""/>
-        <dsp:cNvSpPr/>
-      </dsp:nvSpPr>
-      <dsp:spPr>
-        <a:xfrm>
-          <a:off x="5290529" y="1899564"/>
-          <a:ext cx="1287777" cy="392615"/>
-        </a:xfrm>
-        <a:prstGeom prst="rect">
-          <a:avLst/>
-        </a:prstGeom>
-        <a:solidFill>
-          <a:schemeClr val="accent1">
-            <a:hueOff val="0"/>
-            <a:satOff val="0"/>
-            <a:lumOff val="0"/>
-            <a:alphaOff val="0"/>
-          </a:schemeClr>
-        </a:solidFill>
-        <a:ln w="12700" cap="flat" cmpd="sng" algn="ctr">
-          <a:solidFill>
-            <a:schemeClr val="lt1">
-              <a:hueOff val="0"/>
-              <a:satOff val="0"/>
-              <a:lumOff val="0"/>
-              <a:alphaOff val="0"/>
-            </a:schemeClr>
-          </a:solidFill>
-          <a:prstDash val="solid"/>
-          <a:miter lim="800000"/>
-        </a:ln>
-        <a:effectLst/>
-      </dsp:spPr>
-      <dsp:style>
-        <a:lnRef idx="2">
-          <a:scrgbClr r="0" g="0" b="0"/>
-        </a:lnRef>
-        <a:fillRef idx="1">
-          <a:scrgbClr r="0" g="0" b="0"/>
-        </a:fillRef>
-        <a:effectRef idx="0">
-          <a:scrgbClr r="0" g="0" b="0"/>
-        </a:effectRef>
-        <a:fontRef idx="minor">
-          <a:schemeClr val="lt1"/>
-        </a:fontRef>
-      </dsp:style>
-      <dsp:txBody>
-        <a:bodyPr spcFirstLastPara="0" vert="horz" wrap="square" lIns="11430" tIns="11430" rIns="11430" bIns="11430" numCol="1" spcCol="1270" anchor="ctr" anchorCtr="0">
-          <a:noAutofit/>
-        </a:bodyPr>
-        <a:lstStyle/>
-        <a:p>
-          <a:pPr lvl="0" algn="ctr" defTabSz="800100" latinLnBrk="1">
-            <a:lnSpc>
-              <a:spcPct val="90000"/>
-            </a:lnSpc>
-            <a:spcBef>
-              <a:spcPct val="0"/>
-            </a:spcBef>
-            <a:spcAft>
-              <a:spcPct val="35000"/>
-            </a:spcAft>
-          </a:pPr>
-          <a:r>
-            <a:rPr lang="en-US" altLang="ko-KR" sz="1800" kern="1200" dirty="0" smtClean="0"/>
-            <a:t>Product</a:t>
-          </a:r>
-          <a:endParaRPr lang="ko-KR" altLang="en-US" sz="1800" kern="1200" dirty="0"/>
-        </a:p>
-      </dsp:txBody>
-      <dsp:txXfrm>
-        <a:off x="5290529" y="1899564"/>
-        <a:ext cx="1287777" cy="392615"/>
-      </dsp:txXfrm>
-    </dsp:sp>
-    <dsp:sp modelId="{E5291123-B059-403A-872F-2DA746382EAA}">
-      <dsp:nvSpPr>
-        <dsp:cNvPr id="0" name=""/>
-        <dsp:cNvSpPr/>
-      </dsp:nvSpPr>
-      <dsp:spPr>
-        <a:xfrm>
-          <a:off x="5290529" y="2390333"/>
-          <a:ext cx="1287777" cy="392615"/>
-        </a:xfrm>
-        <a:prstGeom prst="rect">
-          <a:avLst/>
-        </a:prstGeom>
-        <a:solidFill>
-          <a:schemeClr val="accent1">
-            <a:hueOff val="0"/>
-            <a:satOff val="0"/>
-            <a:lumOff val="0"/>
-            <a:alphaOff val="0"/>
-          </a:schemeClr>
-        </a:solidFill>
-        <a:ln w="12700" cap="flat" cmpd="sng" algn="ctr">
-          <a:solidFill>
-            <a:schemeClr val="lt1">
-              <a:hueOff val="0"/>
-              <a:satOff val="0"/>
-              <a:lumOff val="0"/>
-              <a:alphaOff val="0"/>
-            </a:schemeClr>
-          </a:solidFill>
-          <a:prstDash val="solid"/>
-          <a:miter lim="800000"/>
-        </a:ln>
-        <a:effectLst/>
-      </dsp:spPr>
-      <dsp:style>
-        <a:lnRef idx="2">
-          <a:scrgbClr r="0" g="0" b="0"/>
-        </a:lnRef>
-        <a:fillRef idx="1">
-          <a:scrgbClr r="0" g="0" b="0"/>
-        </a:fillRef>
-        <a:effectRef idx="0">
-          <a:scrgbClr r="0" g="0" b="0"/>
-        </a:effectRef>
-        <a:fontRef idx="minor">
-          <a:schemeClr val="lt1"/>
-        </a:fontRef>
-      </dsp:style>
-      <dsp:txBody>
-        <a:bodyPr spcFirstLastPara="0" vert="horz" wrap="square" lIns="11430" tIns="11430" rIns="11430" bIns="11430" numCol="1" spcCol="1270" anchor="ctr" anchorCtr="0">
-          <a:noAutofit/>
-        </a:bodyPr>
-        <a:lstStyle/>
-        <a:p>
-          <a:pPr lvl="0" algn="ctr" defTabSz="800100" latinLnBrk="1">
-            <a:lnSpc>
-              <a:spcPct val="90000"/>
-            </a:lnSpc>
-            <a:spcBef>
-              <a:spcPct val="0"/>
-            </a:spcBef>
-            <a:spcAft>
-              <a:spcPct val="35000"/>
-            </a:spcAft>
-          </a:pPr>
-          <a:r>
-            <a:rPr lang="en-US" altLang="ko-KR" sz="1800" kern="1200" dirty="0" err="1" smtClean="0"/>
-            <a:t>prd</a:t>
-          </a:r>
-          <a:endParaRPr lang="ko-KR" altLang="en-US" sz="1800" kern="1200" dirty="0"/>
-        </a:p>
-      </dsp:txBody>
-      <dsp:txXfrm>
-        <a:off x="5290529" y="2390333"/>
-        <a:ext cx="1287777" cy="392615"/>
-      </dsp:txXfrm>
-    </dsp:sp>
-    <dsp:sp modelId="{940FF299-ED3E-4714-AD33-5EFC49D63497}">
-      <dsp:nvSpPr>
-        <dsp:cNvPr id="0" name=""/>
-        <dsp:cNvSpPr/>
-      </dsp:nvSpPr>
-      <dsp:spPr>
-        <a:xfrm>
-          <a:off x="2199862" y="2881102"/>
-          <a:ext cx="1287777" cy="392615"/>
-        </a:xfrm>
-        <a:prstGeom prst="rect">
-          <a:avLst/>
-        </a:prstGeom>
-        <a:solidFill>
-          <a:schemeClr val="accent1">
-            <a:hueOff val="0"/>
-            <a:satOff val="0"/>
-            <a:lumOff val="0"/>
-            <a:alphaOff val="0"/>
-          </a:schemeClr>
-        </a:solidFill>
-        <a:ln w="12700" cap="flat" cmpd="sng" algn="ctr">
-          <a:solidFill>
-            <a:schemeClr val="lt1">
-              <a:hueOff val="0"/>
-              <a:satOff val="0"/>
-              <a:lumOff val="0"/>
-              <a:alphaOff val="0"/>
-            </a:schemeClr>
-          </a:solidFill>
-          <a:prstDash val="solid"/>
-          <a:miter lim="800000"/>
-        </a:ln>
-        <a:effectLst/>
-      </dsp:spPr>
-      <dsp:style>
-        <a:lnRef idx="2">
-          <a:scrgbClr r="0" g="0" b="0"/>
-        </a:lnRef>
-        <a:fillRef idx="1">
-          <a:scrgbClr r="0" g="0" b="0"/>
-        </a:fillRef>
-        <a:effectRef idx="0">
-          <a:scrgbClr r="0" g="0" b="0"/>
-        </a:effectRef>
-        <a:fontRef idx="minor">
-          <a:schemeClr val="lt1"/>
-        </a:fontRef>
-      </dsp:style>
-      <dsp:txBody>
-        <a:bodyPr spcFirstLastPara="0" vert="horz" wrap="square" lIns="11430" tIns="11430" rIns="11430" bIns="11430" numCol="1" spcCol="1270" anchor="ctr" anchorCtr="0">
-          <a:noAutofit/>
-        </a:bodyPr>
-        <a:lstStyle/>
-        <a:p>
-          <a:pPr lvl="0" algn="ctr" defTabSz="800100" latinLnBrk="1">
-            <a:lnSpc>
-              <a:spcPct val="90000"/>
-            </a:lnSpc>
-            <a:spcBef>
-              <a:spcPct val="0"/>
-            </a:spcBef>
-            <a:spcAft>
-              <a:spcPct val="35000"/>
-            </a:spcAft>
-          </a:pPr>
-          <a:r>
-            <a:rPr lang="en-US" altLang="ko-KR" sz="1800" kern="1200" dirty="0" err="1" smtClean="0"/>
-            <a:t>Prd</a:t>
-          </a:r>
-          <a:endParaRPr lang="ko-KR" altLang="en-US" sz="1800" kern="1200" dirty="0"/>
-        </a:p>
-      </dsp:txBody>
-      <dsp:txXfrm>
-        <a:off x="2199862" y="2881102"/>
-        <a:ext cx="1287777" cy="392615"/>
-      </dsp:txXfrm>
-    </dsp:sp>
-    <dsp:sp modelId="{623B7F37-D8A7-466D-81CE-62DD22220AB1}">
-      <dsp:nvSpPr>
-        <dsp:cNvPr id="0" name=""/>
-        <dsp:cNvSpPr/>
-      </dsp:nvSpPr>
-      <dsp:spPr>
-        <a:xfrm>
-          <a:off x="3745196" y="2881102"/>
-          <a:ext cx="1287777" cy="392615"/>
-        </a:xfrm>
-        <a:prstGeom prst="rect">
-          <a:avLst/>
-        </a:prstGeom>
-        <a:solidFill>
-          <a:schemeClr val="accent1">
-            <a:hueOff val="0"/>
-            <a:satOff val="0"/>
-            <a:lumOff val="0"/>
-            <a:alphaOff val="0"/>
-          </a:schemeClr>
-        </a:solidFill>
-        <a:ln w="12700" cap="flat" cmpd="sng" algn="ctr">
-          <a:solidFill>
-            <a:schemeClr val="lt1">
-              <a:hueOff val="0"/>
-              <a:satOff val="0"/>
-              <a:lumOff val="0"/>
-              <a:alphaOff val="0"/>
-            </a:schemeClr>
-          </a:solidFill>
-          <a:prstDash val="solid"/>
-          <a:miter lim="800000"/>
-        </a:ln>
-        <a:effectLst/>
-      </dsp:spPr>
-      <dsp:style>
-        <a:lnRef idx="2">
-          <a:scrgbClr r="0" g="0" b="0"/>
-        </a:lnRef>
-        <a:fillRef idx="1">
-          <a:scrgbClr r="0" g="0" b="0"/>
-        </a:fillRef>
-        <a:effectRef idx="0">
-          <a:scrgbClr r="0" g="0" b="0"/>
-        </a:effectRef>
-        <a:fontRef idx="minor">
-          <a:schemeClr val="lt1"/>
-        </a:fontRef>
-      </dsp:style>
-      <dsp:txBody>
-        <a:bodyPr spcFirstLastPara="0" vert="horz" wrap="square" lIns="11430" tIns="11430" rIns="11430" bIns="11430" numCol="1" spcCol="1270" anchor="ctr" anchorCtr="0">
-          <a:noAutofit/>
-        </a:bodyPr>
-        <a:lstStyle/>
-        <a:p>
-          <a:pPr lvl="0" algn="ctr" defTabSz="800100" latinLnBrk="1">
-            <a:lnSpc>
-              <a:spcPct val="90000"/>
-            </a:lnSpc>
-            <a:spcBef>
-              <a:spcPct val="0"/>
-            </a:spcBef>
-            <a:spcAft>
-              <a:spcPct val="35000"/>
-            </a:spcAft>
-          </a:pPr>
-          <a:r>
-            <a:rPr lang="en-US" altLang="ko-KR" sz="1800" kern="1200" dirty="0" err="1" smtClean="0"/>
-            <a:t>Prds</a:t>
-          </a:r>
-          <a:endParaRPr lang="ko-KR" altLang="en-US" sz="1800" kern="1200" dirty="0"/>
-        </a:p>
-      </dsp:txBody>
-      <dsp:txXfrm>
-        <a:off x="3745196" y="2881102"/>
-        <a:ext cx="1287777" cy="392615"/>
-      </dsp:txXfrm>
-    </dsp:sp>
-    <dsp:sp modelId="{3624300F-FF8C-4066-8ADA-6287C012466F}">
-      <dsp:nvSpPr>
-        <dsp:cNvPr id="0" name=""/>
-        <dsp:cNvSpPr/>
-      </dsp:nvSpPr>
-      <dsp:spPr>
-        <a:xfrm>
-          <a:off x="5290529" y="2881102"/>
-          <a:ext cx="1287777" cy="392615"/>
-        </a:xfrm>
-        <a:prstGeom prst="rect">
-          <a:avLst/>
-        </a:prstGeom>
-        <a:solidFill>
-          <a:schemeClr val="accent1">
-            <a:hueOff val="0"/>
-            <a:satOff val="0"/>
-            <a:lumOff val="0"/>
-            <a:alphaOff val="0"/>
-          </a:schemeClr>
-        </a:solidFill>
-        <a:ln w="12700" cap="flat" cmpd="sng" algn="ctr">
-          <a:solidFill>
-            <a:schemeClr val="lt1">
-              <a:hueOff val="0"/>
-              <a:satOff val="0"/>
-              <a:lumOff val="0"/>
-              <a:alphaOff val="0"/>
-            </a:schemeClr>
-          </a:solidFill>
-          <a:prstDash val="solid"/>
-          <a:miter lim="800000"/>
-        </a:ln>
-        <a:effectLst/>
-      </dsp:spPr>
-      <dsp:style>
-        <a:lnRef idx="2">
-          <a:scrgbClr r="0" g="0" b="0"/>
-        </a:lnRef>
-        <a:fillRef idx="1">
-          <a:scrgbClr r="0" g="0" b="0"/>
-        </a:fillRef>
-        <a:effectRef idx="0">
-          <a:scrgbClr r="0" g="0" b="0"/>
-        </a:effectRef>
-        <a:fontRef idx="minor">
-          <a:schemeClr val="lt1"/>
-        </a:fontRef>
-      </dsp:style>
-      <dsp:txBody>
-        <a:bodyPr spcFirstLastPara="0" vert="horz" wrap="square" lIns="11430" tIns="11430" rIns="11430" bIns="11430" numCol="1" spcCol="1270" anchor="ctr" anchorCtr="0">
-          <a:noAutofit/>
-        </a:bodyPr>
-        <a:lstStyle/>
-        <a:p>
-          <a:pPr lvl="0" algn="ctr" defTabSz="800100" latinLnBrk="1">
-            <a:lnSpc>
-              <a:spcPct val="90000"/>
-            </a:lnSpc>
-            <a:spcBef>
-              <a:spcPct val="0"/>
-            </a:spcBef>
-            <a:spcAft>
-              <a:spcPct val="35000"/>
-            </a:spcAft>
-          </a:pPr>
-          <a:r>
-            <a:rPr lang="en-US" altLang="ko-KR" sz="1800" kern="1200" dirty="0" err="1" smtClean="0"/>
-            <a:t>prd</a:t>
-          </a:r>
-          <a:endParaRPr lang="ko-KR" altLang="en-US" sz="1800" kern="1200" dirty="0"/>
-        </a:p>
-      </dsp:txBody>
-      <dsp:txXfrm>
-        <a:off x="5290529" y="2881102"/>
-        <a:ext cx="1287777" cy="392615"/>
-      </dsp:txXfrm>
-    </dsp:sp>
-    <dsp:sp modelId="{2BF8CC9C-AAF4-44D7-BBF0-C0926BFF9225}">
-      <dsp:nvSpPr>
-        <dsp:cNvPr id="0" name=""/>
-        <dsp:cNvSpPr/>
-      </dsp:nvSpPr>
-      <dsp:spPr>
-        <a:xfrm>
-          <a:off x="6835863" y="2881102"/>
-          <a:ext cx="1287777" cy="392615"/>
-        </a:xfrm>
-        <a:prstGeom prst="rect">
-          <a:avLst/>
-        </a:prstGeom>
-        <a:solidFill>
-          <a:schemeClr val="accent1">
-            <a:hueOff val="0"/>
-            <a:satOff val="0"/>
-            <a:lumOff val="0"/>
-            <a:alphaOff val="0"/>
-          </a:schemeClr>
-        </a:solidFill>
-        <a:ln w="12700" cap="flat" cmpd="sng" algn="ctr">
-          <a:solidFill>
-            <a:schemeClr val="lt1">
-              <a:hueOff val="0"/>
-              <a:satOff val="0"/>
-              <a:lumOff val="0"/>
-              <a:alphaOff val="0"/>
-            </a:schemeClr>
-          </a:solidFill>
-          <a:prstDash val="solid"/>
-          <a:miter lim="800000"/>
-        </a:ln>
-        <a:effectLst/>
-      </dsp:spPr>
-      <dsp:style>
-        <a:lnRef idx="2">
-          <a:scrgbClr r="0" g="0" b="0"/>
-        </a:lnRef>
-        <a:fillRef idx="1">
-          <a:scrgbClr r="0" g="0" b="0"/>
-        </a:fillRef>
-        <a:effectRef idx="0">
-          <a:scrgbClr r="0" g="0" b="0"/>
-        </a:effectRef>
-        <a:fontRef idx="minor">
-          <a:schemeClr val="lt1"/>
-        </a:fontRef>
-      </dsp:style>
-      <dsp:txBody>
-        <a:bodyPr spcFirstLastPara="0" vert="horz" wrap="square" lIns="11430" tIns="11430" rIns="11430" bIns="11430" numCol="1" spcCol="1270" anchor="ctr" anchorCtr="0">
-          <a:noAutofit/>
-        </a:bodyPr>
-        <a:lstStyle/>
-        <a:p>
-          <a:pPr lvl="0" algn="ctr" defTabSz="800100" latinLnBrk="1">
-            <a:lnSpc>
-              <a:spcPct val="90000"/>
-            </a:lnSpc>
-            <a:spcBef>
-              <a:spcPct val="0"/>
-            </a:spcBef>
-            <a:spcAft>
-              <a:spcPct val="35000"/>
-            </a:spcAft>
-          </a:pPr>
-          <a:r>
-            <a:rPr lang="en-US" altLang="ko-KR" sz="1800" kern="1200" dirty="0" err="1" smtClean="0"/>
-            <a:t>prt</a:t>
-          </a:r>
-          <a:endParaRPr lang="ko-KR" altLang="en-US" sz="1800" kern="1200" dirty="0"/>
-        </a:p>
-      </dsp:txBody>
-      <dsp:txXfrm>
-        <a:off x="6835863" y="2881102"/>
-        <a:ext cx="1287777" cy="392615"/>
-      </dsp:txXfrm>
-    </dsp:sp>
   </dsp:spTree>
 </dsp:drawing>
 </file>
@@ -4312,570 +3046,6 @@
       <dsp:cNvGrpSpPr/>
     </dsp:nvGrpSpPr>
     <dsp:grpSpPr/>
-    <dsp:sp modelId="{C073B07A-34B7-467A-9A46-294B96988DC7}">
-      <dsp:nvSpPr>
-        <dsp:cNvPr id="0" name=""/>
-        <dsp:cNvSpPr/>
-      </dsp:nvSpPr>
-      <dsp:spPr>
-        <a:xfrm>
-          <a:off x="2001577" y="2175669"/>
-          <a:ext cx="542350" cy="1033442"/>
-        </a:xfrm>
-        <a:custGeom>
-          <a:avLst/>
-          <a:gdLst/>
-          <a:ahLst/>
-          <a:cxnLst/>
-          <a:rect l="0" t="0" r="0" b="0"/>
-          <a:pathLst>
-            <a:path>
-              <a:moveTo>
-                <a:pt x="0" y="0"/>
-              </a:moveTo>
-              <a:lnTo>
-                <a:pt x="271175" y="0"/>
-              </a:lnTo>
-              <a:lnTo>
-                <a:pt x="271175" y="1033442"/>
-              </a:lnTo>
-              <a:lnTo>
-                <a:pt x="542350" y="1033442"/>
-              </a:lnTo>
-            </a:path>
-          </a:pathLst>
-        </a:custGeom>
-        <a:noFill/>
-        <a:ln w="12700" cap="flat" cmpd="sng" algn="ctr">
-          <a:solidFill>
-            <a:schemeClr val="accent1">
-              <a:shade val="60000"/>
-              <a:hueOff val="0"/>
-              <a:satOff val="0"/>
-              <a:lumOff val="0"/>
-              <a:alphaOff val="0"/>
-            </a:schemeClr>
-          </a:solidFill>
-          <a:prstDash val="solid"/>
-          <a:miter lim="800000"/>
-        </a:ln>
-        <a:effectLst/>
-      </dsp:spPr>
-      <dsp:style>
-        <a:lnRef idx="2">
-          <a:scrgbClr r="0" g="0" b="0"/>
-        </a:lnRef>
-        <a:fillRef idx="0">
-          <a:scrgbClr r="0" g="0" b="0"/>
-        </a:fillRef>
-        <a:effectRef idx="0">
-          <a:scrgbClr r="0" g="0" b="0"/>
-        </a:effectRef>
-        <a:fontRef idx="minor"/>
-      </dsp:style>
-      <dsp:txBody>
-        <a:bodyPr spcFirstLastPara="0" vert="horz" wrap="square" lIns="12700" tIns="0" rIns="12700" bIns="0" numCol="1" spcCol="1270" anchor="ctr" anchorCtr="0">
-          <a:noAutofit/>
-        </a:bodyPr>
-        <a:lstStyle/>
-        <a:p>
-          <a:pPr lvl="0" algn="ctr" defTabSz="222250" latinLnBrk="1">
-            <a:lnSpc>
-              <a:spcPct val="90000"/>
-            </a:lnSpc>
-            <a:spcBef>
-              <a:spcPct val="0"/>
-            </a:spcBef>
-            <a:spcAft>
-              <a:spcPct val="35000"/>
-            </a:spcAft>
-          </a:pPr>
-          <a:endParaRPr lang="ko-KR" altLang="en-US" sz="500" kern="1200"/>
-        </a:p>
-      </dsp:txBody>
-      <dsp:txXfrm>
-        <a:off x="2243574" y="2663212"/>
-        <a:ext cx="58355" cy="58355"/>
-      </dsp:txXfrm>
-    </dsp:sp>
-    <dsp:sp modelId="{E1620D00-2E87-4899-919E-9665F16A6FDA}">
-      <dsp:nvSpPr>
-        <dsp:cNvPr id="0" name=""/>
-        <dsp:cNvSpPr/>
-      </dsp:nvSpPr>
-      <dsp:spPr>
-        <a:xfrm>
-          <a:off x="2001577" y="2129948"/>
-          <a:ext cx="542350" cy="91440"/>
-        </a:xfrm>
-        <a:custGeom>
-          <a:avLst/>
-          <a:gdLst/>
-          <a:ahLst/>
-          <a:cxnLst/>
-          <a:rect l="0" t="0" r="0" b="0"/>
-          <a:pathLst>
-            <a:path>
-              <a:moveTo>
-                <a:pt x="0" y="45720"/>
-              </a:moveTo>
-              <a:lnTo>
-                <a:pt x="542350" y="45720"/>
-              </a:lnTo>
-            </a:path>
-          </a:pathLst>
-        </a:custGeom>
-        <a:noFill/>
-        <a:ln w="12700" cap="flat" cmpd="sng" algn="ctr">
-          <a:solidFill>
-            <a:schemeClr val="accent1">
-              <a:shade val="60000"/>
-              <a:hueOff val="0"/>
-              <a:satOff val="0"/>
-              <a:lumOff val="0"/>
-              <a:alphaOff val="0"/>
-            </a:schemeClr>
-          </a:solidFill>
-          <a:prstDash val="solid"/>
-          <a:miter lim="800000"/>
-        </a:ln>
-        <a:effectLst/>
-      </dsp:spPr>
-      <dsp:style>
-        <a:lnRef idx="2">
-          <a:scrgbClr r="0" g="0" b="0"/>
-        </a:lnRef>
-        <a:fillRef idx="0">
-          <a:scrgbClr r="0" g="0" b="0"/>
-        </a:fillRef>
-        <a:effectRef idx="0">
-          <a:scrgbClr r="0" g="0" b="0"/>
-        </a:effectRef>
-        <a:fontRef idx="minor"/>
-      </dsp:style>
-      <dsp:txBody>
-        <a:bodyPr spcFirstLastPara="0" vert="horz" wrap="square" lIns="12700" tIns="0" rIns="12700" bIns="0" numCol="1" spcCol="1270" anchor="ctr" anchorCtr="0">
-          <a:noAutofit/>
-        </a:bodyPr>
-        <a:lstStyle/>
-        <a:p>
-          <a:pPr lvl="0" algn="ctr" defTabSz="222250" latinLnBrk="1">
-            <a:lnSpc>
-              <a:spcPct val="90000"/>
-            </a:lnSpc>
-            <a:spcBef>
-              <a:spcPct val="0"/>
-            </a:spcBef>
-            <a:spcAft>
-              <a:spcPct val="35000"/>
-            </a:spcAft>
-          </a:pPr>
-          <a:endParaRPr lang="ko-KR" altLang="en-US" sz="500" kern="1200"/>
-        </a:p>
-      </dsp:txBody>
-      <dsp:txXfrm>
-        <a:off x="2259193" y="2162110"/>
-        <a:ext cx="27117" cy="27117"/>
-      </dsp:txXfrm>
-    </dsp:sp>
-    <dsp:sp modelId="{87ABA6C6-A18D-43CC-A595-782484CEEA6C}">
-      <dsp:nvSpPr>
-        <dsp:cNvPr id="0" name=""/>
-        <dsp:cNvSpPr/>
-      </dsp:nvSpPr>
-      <dsp:spPr>
-        <a:xfrm>
-          <a:off x="2001577" y="1142226"/>
-          <a:ext cx="542350" cy="1033442"/>
-        </a:xfrm>
-        <a:custGeom>
-          <a:avLst/>
-          <a:gdLst/>
-          <a:ahLst/>
-          <a:cxnLst/>
-          <a:rect l="0" t="0" r="0" b="0"/>
-          <a:pathLst>
-            <a:path>
-              <a:moveTo>
-                <a:pt x="0" y="1033442"/>
-              </a:moveTo>
-              <a:lnTo>
-                <a:pt x="271175" y="1033442"/>
-              </a:lnTo>
-              <a:lnTo>
-                <a:pt x="271175" y="0"/>
-              </a:lnTo>
-              <a:lnTo>
-                <a:pt x="542350" y="0"/>
-              </a:lnTo>
-            </a:path>
-          </a:pathLst>
-        </a:custGeom>
-        <a:noFill/>
-        <a:ln w="12700" cap="flat" cmpd="sng" algn="ctr">
-          <a:solidFill>
-            <a:schemeClr val="accent1">
-              <a:shade val="60000"/>
-              <a:hueOff val="0"/>
-              <a:satOff val="0"/>
-              <a:lumOff val="0"/>
-              <a:alphaOff val="0"/>
-            </a:schemeClr>
-          </a:solidFill>
-          <a:prstDash val="solid"/>
-          <a:miter lim="800000"/>
-        </a:ln>
-        <a:effectLst/>
-      </dsp:spPr>
-      <dsp:style>
-        <a:lnRef idx="2">
-          <a:scrgbClr r="0" g="0" b="0"/>
-        </a:lnRef>
-        <a:fillRef idx="0">
-          <a:scrgbClr r="0" g="0" b="0"/>
-        </a:fillRef>
-        <a:effectRef idx="0">
-          <a:scrgbClr r="0" g="0" b="0"/>
-        </a:effectRef>
-        <a:fontRef idx="minor"/>
-      </dsp:style>
-      <dsp:txBody>
-        <a:bodyPr spcFirstLastPara="0" vert="horz" wrap="square" lIns="12700" tIns="0" rIns="12700" bIns="0" numCol="1" spcCol="1270" anchor="ctr" anchorCtr="0">
-          <a:noAutofit/>
-        </a:bodyPr>
-        <a:lstStyle/>
-        <a:p>
-          <a:pPr lvl="0" algn="ctr" defTabSz="222250" latinLnBrk="1">
-            <a:lnSpc>
-              <a:spcPct val="90000"/>
-            </a:lnSpc>
-            <a:spcBef>
-              <a:spcPct val="0"/>
-            </a:spcBef>
-            <a:spcAft>
-              <a:spcPct val="35000"/>
-            </a:spcAft>
-          </a:pPr>
-          <a:endParaRPr lang="ko-KR" altLang="en-US" sz="500" kern="1200"/>
-        </a:p>
-      </dsp:txBody>
-      <dsp:txXfrm>
-        <a:off x="2243574" y="1629769"/>
-        <a:ext cx="58355" cy="58355"/>
-      </dsp:txXfrm>
-    </dsp:sp>
-    <dsp:sp modelId="{D7E1D699-C5C1-4053-8755-36214768B582}">
-      <dsp:nvSpPr>
-        <dsp:cNvPr id="0" name=""/>
-        <dsp:cNvSpPr/>
-      </dsp:nvSpPr>
-      <dsp:spPr>
-        <a:xfrm rot="16200000">
-          <a:off x="-587468" y="1762291"/>
-          <a:ext cx="4351338" cy="826754"/>
-        </a:xfrm>
-        <a:prstGeom prst="rect">
-          <a:avLst/>
-        </a:prstGeom>
-        <a:solidFill>
-          <a:schemeClr val="accent1">
-            <a:hueOff val="0"/>
-            <a:satOff val="0"/>
-            <a:lumOff val="0"/>
-            <a:alphaOff val="0"/>
-          </a:schemeClr>
-        </a:solidFill>
-        <a:ln w="12700" cap="flat" cmpd="sng" algn="ctr">
-          <a:solidFill>
-            <a:schemeClr val="lt1">
-              <a:hueOff val="0"/>
-              <a:satOff val="0"/>
-              <a:lumOff val="0"/>
-              <a:alphaOff val="0"/>
-            </a:schemeClr>
-          </a:solidFill>
-          <a:prstDash val="solid"/>
-          <a:miter lim="800000"/>
-        </a:ln>
-        <a:effectLst/>
-      </dsp:spPr>
-      <dsp:style>
-        <a:lnRef idx="2">
-          <a:scrgbClr r="0" g="0" b="0"/>
-        </a:lnRef>
-        <a:fillRef idx="1">
-          <a:scrgbClr r="0" g="0" b="0"/>
-        </a:fillRef>
-        <a:effectRef idx="0">
-          <a:scrgbClr r="0" g="0" b="0"/>
-        </a:effectRef>
-        <a:fontRef idx="minor">
-          <a:schemeClr val="lt1"/>
-        </a:fontRef>
-      </dsp:style>
-      <dsp:txBody>
-        <a:bodyPr spcFirstLastPara="0" vert="horz" wrap="square" lIns="24130" tIns="24130" rIns="24130" bIns="24130" numCol="1" spcCol="1270" anchor="ctr" anchorCtr="0">
-          <a:noAutofit/>
-        </a:bodyPr>
-        <a:lstStyle/>
-        <a:p>
-          <a:pPr lvl="0" algn="ctr" defTabSz="1689100" latinLnBrk="1">
-            <a:lnSpc>
-              <a:spcPct val="90000"/>
-            </a:lnSpc>
-            <a:spcBef>
-              <a:spcPct val="0"/>
-            </a:spcBef>
-            <a:spcAft>
-              <a:spcPct val="35000"/>
-            </a:spcAft>
-          </a:pPr>
-          <a:r>
-            <a:rPr lang="en-US" altLang="ko-KR" sz="3800" kern="1200" dirty="0" err="1" smtClean="0"/>
-            <a:t>prd</a:t>
-          </a:r>
-          <a:endParaRPr lang="ko-KR" altLang="en-US" sz="3800" kern="1200" dirty="0"/>
-        </a:p>
-      </dsp:txBody>
-      <dsp:txXfrm>
-        <a:off x="-587468" y="1762291"/>
-        <a:ext cx="4351338" cy="826754"/>
-      </dsp:txXfrm>
-    </dsp:sp>
-    <dsp:sp modelId="{1D58EEAF-F341-4451-9C6A-F1F1431D43B9}">
-      <dsp:nvSpPr>
-        <dsp:cNvPr id="0" name=""/>
-        <dsp:cNvSpPr/>
-      </dsp:nvSpPr>
-      <dsp:spPr>
-        <a:xfrm>
-          <a:off x="2543928" y="728849"/>
-          <a:ext cx="2711753" cy="826754"/>
-        </a:xfrm>
-        <a:prstGeom prst="rect">
-          <a:avLst/>
-        </a:prstGeom>
-        <a:solidFill>
-          <a:schemeClr val="accent1">
-            <a:hueOff val="0"/>
-            <a:satOff val="0"/>
-            <a:lumOff val="0"/>
-            <a:alphaOff val="0"/>
-          </a:schemeClr>
-        </a:solidFill>
-        <a:ln w="12700" cap="flat" cmpd="sng" algn="ctr">
-          <a:solidFill>
-            <a:schemeClr val="lt1">
-              <a:hueOff val="0"/>
-              <a:satOff val="0"/>
-              <a:lumOff val="0"/>
-              <a:alphaOff val="0"/>
-            </a:schemeClr>
-          </a:solidFill>
-          <a:prstDash val="solid"/>
-          <a:miter lim="800000"/>
-        </a:ln>
-        <a:effectLst/>
-      </dsp:spPr>
-      <dsp:style>
-        <a:lnRef idx="2">
-          <a:scrgbClr r="0" g="0" b="0"/>
-        </a:lnRef>
-        <a:fillRef idx="1">
-          <a:scrgbClr r="0" g="0" b="0"/>
-        </a:fillRef>
-        <a:effectRef idx="0">
-          <a:scrgbClr r="0" g="0" b="0"/>
-        </a:effectRef>
-        <a:fontRef idx="minor">
-          <a:schemeClr val="lt1"/>
-        </a:fontRef>
-      </dsp:style>
-      <dsp:txBody>
-        <a:bodyPr spcFirstLastPara="0" vert="horz" wrap="square" lIns="20955" tIns="20955" rIns="20955" bIns="20955" numCol="1" spcCol="1270" anchor="ctr" anchorCtr="0">
-          <a:noAutofit/>
-        </a:bodyPr>
-        <a:lstStyle/>
-        <a:p>
-          <a:pPr lvl="0" algn="ctr" defTabSz="1466850" latinLnBrk="1">
-            <a:lnSpc>
-              <a:spcPct val="90000"/>
-            </a:lnSpc>
-            <a:spcBef>
-              <a:spcPct val="0"/>
-            </a:spcBef>
-            <a:spcAft>
-              <a:spcPct val="35000"/>
-            </a:spcAft>
-          </a:pPr>
-          <a:r>
-            <a:rPr lang="en-US" altLang="ko-KR" sz="3300" kern="1200" dirty="0" smtClean="0"/>
-            <a:t>Reference </a:t>
-          </a:r>
-          <a:r>
-            <a:rPr lang="en-US" altLang="ko-KR" sz="3300" kern="1200" dirty="0" err="1" smtClean="0"/>
-            <a:t>Prd</a:t>
-          </a:r>
-          <a:endParaRPr lang="ko-KR" altLang="en-US" sz="3300" kern="1200" dirty="0"/>
-        </a:p>
-      </dsp:txBody>
-      <dsp:txXfrm>
-        <a:off x="2543928" y="728849"/>
-        <a:ext cx="2711753" cy="826754"/>
-      </dsp:txXfrm>
-    </dsp:sp>
-    <dsp:sp modelId="{1504979A-68BC-4B6C-A113-59FCD2E14368}">
-      <dsp:nvSpPr>
-        <dsp:cNvPr id="0" name=""/>
-        <dsp:cNvSpPr/>
-      </dsp:nvSpPr>
-      <dsp:spPr>
-        <a:xfrm>
-          <a:off x="2543928" y="1762291"/>
-          <a:ext cx="2711753" cy="826754"/>
-        </a:xfrm>
-        <a:prstGeom prst="rect">
-          <a:avLst/>
-        </a:prstGeom>
-        <a:solidFill>
-          <a:schemeClr val="accent1">
-            <a:hueOff val="0"/>
-            <a:satOff val="0"/>
-            <a:lumOff val="0"/>
-            <a:alphaOff val="0"/>
-          </a:schemeClr>
-        </a:solidFill>
-        <a:ln w="12700" cap="flat" cmpd="sng" algn="ctr">
-          <a:solidFill>
-            <a:schemeClr val="lt1">
-              <a:hueOff val="0"/>
-              <a:satOff val="0"/>
-              <a:lumOff val="0"/>
-              <a:alphaOff val="0"/>
-            </a:schemeClr>
-          </a:solidFill>
-          <a:prstDash val="solid"/>
-          <a:miter lim="800000"/>
-        </a:ln>
-        <a:effectLst/>
-      </dsp:spPr>
-      <dsp:style>
-        <a:lnRef idx="2">
-          <a:scrgbClr r="0" g="0" b="0"/>
-        </a:lnRef>
-        <a:fillRef idx="1">
-          <a:scrgbClr r="0" g="0" b="0"/>
-        </a:fillRef>
-        <a:effectRef idx="0">
-          <a:scrgbClr r="0" g="0" b="0"/>
-        </a:effectRef>
-        <a:fontRef idx="minor">
-          <a:schemeClr val="lt1"/>
-        </a:fontRef>
-      </dsp:style>
-      <dsp:txBody>
-        <a:bodyPr spcFirstLastPara="0" vert="horz" wrap="square" lIns="20955" tIns="20955" rIns="20955" bIns="20955" numCol="1" spcCol="1270" anchor="ctr" anchorCtr="0">
-          <a:noAutofit/>
-        </a:bodyPr>
-        <a:lstStyle/>
-        <a:p>
-          <a:pPr lvl="0" algn="ctr" defTabSz="1466850" latinLnBrk="1">
-            <a:lnSpc>
-              <a:spcPct val="90000"/>
-            </a:lnSpc>
-            <a:spcBef>
-              <a:spcPct val="0"/>
-            </a:spcBef>
-            <a:spcAft>
-              <a:spcPct val="35000"/>
-            </a:spcAft>
-          </a:pPr>
-          <a:r>
-            <a:rPr lang="en-US" altLang="ko-KR" sz="3300" kern="1200" dirty="0" err="1" smtClean="0"/>
-            <a:t>prt</a:t>
-          </a:r>
-          <a:endParaRPr lang="ko-KR" altLang="en-US" sz="3300" kern="1200" dirty="0"/>
-        </a:p>
-      </dsp:txBody>
-      <dsp:txXfrm>
-        <a:off x="2543928" y="1762291"/>
-        <a:ext cx="2711753" cy="826754"/>
-      </dsp:txXfrm>
-    </dsp:sp>
-    <dsp:sp modelId="{8652FAD6-F4B1-4824-BF7E-AC9041DE1ACC}">
-      <dsp:nvSpPr>
-        <dsp:cNvPr id="0" name=""/>
-        <dsp:cNvSpPr/>
-      </dsp:nvSpPr>
-      <dsp:spPr>
-        <a:xfrm>
-          <a:off x="2543928" y="2795734"/>
-          <a:ext cx="2711753" cy="826754"/>
-        </a:xfrm>
-        <a:prstGeom prst="rect">
-          <a:avLst/>
-        </a:prstGeom>
-        <a:solidFill>
-          <a:schemeClr val="accent1">
-            <a:hueOff val="0"/>
-            <a:satOff val="0"/>
-            <a:lumOff val="0"/>
-            <a:alphaOff val="0"/>
-          </a:schemeClr>
-        </a:solidFill>
-        <a:ln w="12700" cap="flat" cmpd="sng" algn="ctr">
-          <a:solidFill>
-            <a:schemeClr val="lt1">
-              <a:hueOff val="0"/>
-              <a:satOff val="0"/>
-              <a:lumOff val="0"/>
-              <a:alphaOff val="0"/>
-            </a:schemeClr>
-          </a:solidFill>
-          <a:prstDash val="solid"/>
-          <a:miter lim="800000"/>
-        </a:ln>
-        <a:effectLst/>
-      </dsp:spPr>
-      <dsp:style>
-        <a:lnRef idx="2">
-          <a:scrgbClr r="0" g="0" b="0"/>
-        </a:lnRef>
-        <a:fillRef idx="1">
-          <a:scrgbClr r="0" g="0" b="0"/>
-        </a:fillRef>
-        <a:effectRef idx="0">
-          <a:scrgbClr r="0" g="0" b="0"/>
-        </a:effectRef>
-        <a:fontRef idx="minor">
-          <a:schemeClr val="lt1"/>
-        </a:fontRef>
-      </dsp:style>
-      <dsp:txBody>
-        <a:bodyPr spcFirstLastPara="0" vert="horz" wrap="square" lIns="20955" tIns="20955" rIns="20955" bIns="20955" numCol="1" spcCol="1270" anchor="ctr" anchorCtr="0">
-          <a:noAutofit/>
-        </a:bodyPr>
-        <a:lstStyle/>
-        <a:p>
-          <a:pPr lvl="0" algn="ctr" defTabSz="1466850" latinLnBrk="1">
-            <a:lnSpc>
-              <a:spcPct val="90000"/>
-            </a:lnSpc>
-            <a:spcBef>
-              <a:spcPct val="0"/>
-            </a:spcBef>
-            <a:spcAft>
-              <a:spcPct val="35000"/>
-            </a:spcAft>
-          </a:pPr>
-          <a:endParaRPr lang="ko-KR" altLang="en-US" sz="3300" kern="1200"/>
-        </a:p>
-      </dsp:txBody>
-      <dsp:txXfrm>
-        <a:off x="2543928" y="2795734"/>
-        <a:ext cx="2711753" cy="826754"/>
-      </dsp:txXfrm>
-    </dsp:sp>
   </dsp:spTree>
 </dsp:drawing>
 </file>
@@ -10506,6 +8676,98 @@
 </p:sld>
 </file>
 
+<file path=ppt/slides/slide10.xml><?xml version="1.0" encoding="utf-8"?>
+<p:sld xmlns:a="http://schemas.openxmlformats.org/drawingml/2006/main" xmlns:r="http://schemas.openxmlformats.org/officeDocument/2006/relationships" xmlns:p="http://schemas.openxmlformats.org/presentationml/2006/main">
+  <p:cSld>
+    <p:spTree>
+      <p:nvGrpSpPr>
+        <p:cNvPr id="1" name=""/>
+        <p:cNvGrpSpPr/>
+        <p:nvPr/>
+      </p:nvGrpSpPr>
+      <p:grpSpPr>
+        <a:xfrm>
+          <a:off x="0" y="0"/>
+          <a:ext cx="0" cy="0"/>
+          <a:chOff x="0" y="0"/>
+          <a:chExt cx="0" cy="0"/>
+        </a:xfrm>
+      </p:grpSpPr>
+      <p:sp>
+        <p:nvSpPr>
+          <p:cNvPr id="2" name="제목 1"/>
+          <p:cNvSpPr>
+            <a:spLocks noGrp="1"/>
+          </p:cNvSpPr>
+          <p:nvPr>
+            <p:ph type="title"/>
+          </p:nvPr>
+        </p:nvSpPr>
+        <p:spPr/>
+        <p:txBody>
+          <a:bodyPr/>
+          <a:lstStyle/>
+          <a:p>
+            <a:endParaRPr lang="ko-KR" altLang="en-US"/>
+          </a:p>
+        </p:txBody>
+      </p:sp>
+      <p:sp>
+        <p:nvSpPr>
+          <p:cNvPr id="3" name="내용 개체 틀 2"/>
+          <p:cNvSpPr>
+            <a:spLocks noGrp="1"/>
+          </p:cNvSpPr>
+          <p:nvPr>
+            <p:ph idx="1"/>
+          </p:nvPr>
+        </p:nvSpPr>
+        <p:spPr/>
+        <p:txBody>
+          <a:bodyPr/>
+          <a:lstStyle/>
+          <a:p>
+            <a:endParaRPr lang="ko-KR" altLang="en-US"/>
+          </a:p>
+        </p:txBody>
+      </p:sp>
+      <p:pic>
+        <p:nvPicPr>
+          <p:cNvPr id="5" name="그림 4"/>
+          <p:cNvPicPr>
+            <a:picLocks noChangeAspect="1"/>
+          </p:cNvPicPr>
+          <p:nvPr/>
+        </p:nvPicPr>
+        <p:blipFill>
+          <a:blip r:embed="rId2"/>
+          <a:stretch>
+            <a:fillRect/>
+          </a:stretch>
+        </p:blipFill>
+        <p:spPr>
+          <a:xfrm>
+            <a:off x="608711" y="-359367"/>
+            <a:ext cx="5953125" cy="7886700"/>
+          </a:xfrm>
+          <a:prstGeom prst="rect">
+            <a:avLst/>
+          </a:prstGeom>
+        </p:spPr>
+      </p:pic>
+    </p:spTree>
+    <p:extLst>
+      <p:ext uri="{BB962C8B-B14F-4D97-AF65-F5344CB8AC3E}">
+        <p14:creationId xmlns:p14="http://schemas.microsoft.com/office/powerpoint/2010/main" val="4024275556"/>
+      </p:ext>
+    </p:extLst>
+  </p:cSld>
+  <p:clrMapOvr>
+    <a:masterClrMapping/>
+  </p:clrMapOvr>
+</p:sld>
+</file>
+
 <file path=ppt/slides/slide2.xml><?xml version="1.0" encoding="utf-8"?>
 <p:sld xmlns:a="http://schemas.openxmlformats.org/drawingml/2006/main" xmlns:r="http://schemas.openxmlformats.org/officeDocument/2006/relationships" xmlns:p="http://schemas.openxmlformats.org/presentationml/2006/main">
   <p:cSld>
@@ -11581,7 +9843,272 @@
           <a:bodyPr/>
           <a:lstStyle/>
           <a:p>
-            <a:endParaRPr lang="ko-KR" altLang="en-US"/>
+            <a:r>
+              <a:rPr lang="en-US" altLang="ko-KR" dirty="0" smtClean="0"/>
+              <a:t>selection</a:t>
+            </a:r>
+            <a:endParaRPr lang="ko-KR" altLang="en-US" dirty="0"/>
+          </a:p>
+        </p:txBody>
+      </p:sp>
+      <p:sp>
+        <p:nvSpPr>
+          <p:cNvPr id="5" name="내용 개체 틀 4"/>
+          <p:cNvSpPr>
+            <a:spLocks noGrp="1"/>
+          </p:cNvSpPr>
+          <p:nvPr>
+            <p:ph idx="1"/>
+          </p:nvPr>
+        </p:nvSpPr>
+        <p:spPr/>
+        <p:txBody>
+          <a:bodyPr>
+            <a:normAutofit fontScale="47500" lnSpcReduction="20000"/>
+          </a:bodyPr>
+          <a:lstStyle/>
+          <a:p>
+            <a:r>
+              <a:rPr lang="en-US" altLang="ko-KR" dirty="0" err="1"/>
+              <a:t>sel</a:t>
+            </a:r>
+            <a:r>
+              <a:rPr lang="en-US" altLang="ko-KR" dirty="0"/>
+              <a:t> = </a:t>
+            </a:r>
+            <a:r>
+              <a:rPr lang="en-US" altLang="ko-KR" dirty="0" err="1"/>
+              <a:t>catia.ActiveDocument.Selection</a:t>
+            </a:r>
+            <a:r>
+              <a:rPr lang="en-US" altLang="ko-KR" dirty="0" smtClean="0"/>
+              <a:t>;	//selection</a:t>
+            </a:r>
+            <a:r>
+              <a:rPr lang="ko-KR" altLang="en-US" dirty="0" smtClean="0"/>
+              <a:t>가져오기</a:t>
+            </a:r>
+            <a:endParaRPr lang="en-US" altLang="ko-KR" dirty="0"/>
+          </a:p>
+          <a:p>
+            <a:endParaRPr lang="en-US" altLang="ko-KR" dirty="0"/>
+          </a:p>
+          <a:p>
+            <a:r>
+              <a:rPr lang="en-US" altLang="ko-KR" dirty="0"/>
+              <a:t>            object[] </a:t>
+            </a:r>
+            <a:r>
+              <a:rPr lang="en-US" altLang="ko-KR" dirty="0" err="1"/>
+              <a:t>inputObjectType</a:t>
+            </a:r>
+            <a:r>
+              <a:rPr lang="en-US" altLang="ko-KR" dirty="0"/>
+              <a:t> = { "Point" };</a:t>
+            </a:r>
+          </a:p>
+          <a:p>
+            <a:r>
+              <a:rPr lang="en-US" altLang="ko-KR" dirty="0"/>
+              <a:t>            string Status;</a:t>
+            </a:r>
+          </a:p>
+          <a:p>
+            <a:endParaRPr lang="en-US" altLang="ko-KR" dirty="0"/>
+          </a:p>
+          <a:p>
+            <a:r>
+              <a:rPr lang="en-US" altLang="ko-KR" dirty="0"/>
+              <a:t>            </a:t>
+            </a:r>
+            <a:r>
+              <a:rPr lang="en-US" altLang="ko-KR" dirty="0" err="1"/>
+              <a:t>sel.Clear</a:t>
+            </a:r>
+            <a:r>
+              <a:rPr lang="en-US" altLang="ko-KR" dirty="0"/>
+              <a:t>();</a:t>
+            </a:r>
+          </a:p>
+          <a:p>
+            <a:r>
+              <a:rPr lang="en-US" altLang="ko-KR" dirty="0"/>
+              <a:t>            Status = sel.SelectElement2(</a:t>
+            </a:r>
+            <a:r>
+              <a:rPr lang="en-US" altLang="ko-KR" dirty="0" err="1"/>
+              <a:t>inputObjectType</a:t>
+            </a:r>
+            <a:r>
+              <a:rPr lang="en-US" altLang="ko-KR" dirty="0"/>
+              <a:t>, "Select a Point", true);</a:t>
+            </a:r>
+          </a:p>
+          <a:p>
+            <a:endParaRPr lang="en-US" altLang="ko-KR" dirty="0"/>
+          </a:p>
+          <a:p>
+            <a:r>
+              <a:rPr lang="en-US" altLang="ko-KR" dirty="0"/>
+              <a:t>            if (Status != "Normal" || </a:t>
+            </a:r>
+            <a:r>
+              <a:rPr lang="en-US" altLang="ko-KR" dirty="0" err="1"/>
+              <a:t>sel.Count</a:t>
+            </a:r>
+            <a:r>
+              <a:rPr lang="en-US" altLang="ko-KR" dirty="0"/>
+              <a:t> &lt; 1)</a:t>
+            </a:r>
+          </a:p>
+          <a:p>
+            <a:r>
+              <a:rPr lang="en-US" altLang="ko-KR" dirty="0"/>
+              <a:t>            {</a:t>
+            </a:r>
+          </a:p>
+          <a:p>
+            <a:r>
+              <a:rPr lang="en-US" altLang="ko-KR" dirty="0"/>
+              <a:t>                </a:t>
+            </a:r>
+            <a:r>
+              <a:rPr lang="en-US" altLang="ko-KR" dirty="0" err="1"/>
+              <a:t>MessageBox.Show</a:t>
+            </a:r>
+            <a:r>
+              <a:rPr lang="en-US" altLang="ko-KR" dirty="0"/>
+              <a:t>("</a:t>
+            </a:r>
+            <a:r>
+              <a:rPr lang="ko-KR" altLang="en-US" dirty="0"/>
+              <a:t>선택한 </a:t>
+            </a:r>
+            <a:r>
+              <a:rPr lang="en-US" altLang="ko-KR" dirty="0"/>
+              <a:t>point</a:t>
+            </a:r>
+            <a:r>
+              <a:rPr lang="ko-KR" altLang="en-US" dirty="0"/>
+              <a:t>가 없습니다</a:t>
+            </a:r>
+            <a:r>
+              <a:rPr lang="en-US" altLang="ko-KR" dirty="0"/>
+              <a:t>.");</a:t>
+            </a:r>
+          </a:p>
+          <a:p>
+            <a:r>
+              <a:rPr lang="en-US" altLang="ko-KR" dirty="0"/>
+              <a:t>                return;</a:t>
+            </a:r>
+          </a:p>
+          <a:p>
+            <a:r>
+              <a:rPr lang="en-US" altLang="ko-KR" dirty="0"/>
+              <a:t>            }</a:t>
+            </a:r>
+          </a:p>
+          <a:p>
+            <a:endParaRPr lang="en-US" altLang="ko-KR" dirty="0"/>
+          </a:p>
+          <a:p>
+            <a:r>
+              <a:rPr lang="en-US" altLang="ko-KR" dirty="0"/>
+              <a:t>            </a:t>
+            </a:r>
+            <a:r>
+              <a:rPr lang="en-US" altLang="ko-KR" dirty="0" err="1"/>
+              <a:t>INFITF.SelectedElement</a:t>
+            </a:r>
+            <a:r>
+              <a:rPr lang="en-US" altLang="ko-KR" dirty="0"/>
+              <a:t> </a:t>
+            </a:r>
+            <a:r>
+              <a:rPr lang="en-US" altLang="ko-KR" dirty="0" err="1"/>
+              <a:t>selItem</a:t>
+            </a:r>
+            <a:r>
+              <a:rPr lang="en-US" altLang="ko-KR" dirty="0"/>
+              <a:t>;</a:t>
+            </a:r>
+          </a:p>
+          <a:p>
+            <a:r>
+              <a:rPr lang="en-US" altLang="ko-KR" dirty="0"/>
+              <a:t>            </a:t>
+            </a:r>
+            <a:r>
+              <a:rPr lang="en-US" altLang="ko-KR" dirty="0" err="1"/>
+              <a:t>selItem</a:t>
+            </a:r>
+            <a:r>
+              <a:rPr lang="en-US" altLang="ko-KR" dirty="0"/>
+              <a:t> = </a:t>
+            </a:r>
+            <a:r>
+              <a:rPr lang="en-US" altLang="ko-KR" dirty="0" err="1"/>
+              <a:t>sel.Item</a:t>
+            </a:r>
+            <a:r>
+              <a:rPr lang="en-US" altLang="ko-KR" dirty="0"/>
+              <a:t>(1);</a:t>
+            </a:r>
+            <a:endParaRPr lang="ko-KR" altLang="en-US" dirty="0"/>
+          </a:p>
+        </p:txBody>
+      </p:sp>
+    </p:spTree>
+    <p:extLst>
+      <p:ext uri="{BB962C8B-B14F-4D97-AF65-F5344CB8AC3E}">
+        <p14:creationId xmlns:p14="http://schemas.microsoft.com/office/powerpoint/2010/main" val="3842903657"/>
+      </p:ext>
+    </p:extLst>
+  </p:cSld>
+  <p:clrMapOvr>
+    <a:masterClrMapping/>
+  </p:clrMapOvr>
+</p:sld>
+</file>
+
+<file path=ppt/slides/slide9.xml><?xml version="1.0" encoding="utf-8"?>
+<p:sld xmlns:a="http://schemas.openxmlformats.org/drawingml/2006/main" xmlns:r="http://schemas.openxmlformats.org/officeDocument/2006/relationships" xmlns:p="http://schemas.openxmlformats.org/presentationml/2006/main">
+  <p:cSld>
+    <p:spTree>
+      <p:nvGrpSpPr>
+        <p:cNvPr id="1" name=""/>
+        <p:cNvGrpSpPr/>
+        <p:nvPr/>
+      </p:nvGrpSpPr>
+      <p:grpSpPr>
+        <a:xfrm>
+          <a:off x="0" y="0"/>
+          <a:ext cx="0" cy="0"/>
+          <a:chOff x="0" y="0"/>
+          <a:chExt cx="0" cy="0"/>
+        </a:xfrm>
+      </p:grpSpPr>
+      <p:sp>
+        <p:nvSpPr>
+          <p:cNvPr id="2" name="제목 1"/>
+          <p:cNvSpPr>
+            <a:spLocks noGrp="1"/>
+          </p:cNvSpPr>
+          <p:nvPr>
+            <p:ph type="title"/>
+          </p:nvPr>
+        </p:nvSpPr>
+        <p:spPr/>
+        <p:txBody>
+          <a:bodyPr/>
+          <a:lstStyle/>
+          <a:p>
+            <a:r>
+              <a:rPr lang="en-US" altLang="ko-KR" dirty="0" err="1" smtClean="0"/>
+              <a:t>Drowing</a:t>
+            </a:r>
+            <a:endParaRPr lang="ko-KR" altLang="en-US" dirty="0"/>
           </a:p>
         </p:txBody>
       </p:sp>
@@ -11607,7 +10134,7 @@
     </p:spTree>
     <p:extLst>
       <p:ext uri="{BB962C8B-B14F-4D97-AF65-F5344CB8AC3E}">
-        <p14:creationId xmlns:p14="http://schemas.microsoft.com/office/powerpoint/2010/main" val="3842903657"/>
+        <p14:creationId xmlns:p14="http://schemas.microsoft.com/office/powerpoint/2010/main" val="2120727262"/>
       </p:ext>
     </p:extLst>
   </p:cSld>

--- a/automation.pptx
+++ b/automation.pptx
@@ -15,6 +15,8 @@
     <p:sldId id="263" r:id="rId9"/>
     <p:sldId id="265" r:id="rId10"/>
     <p:sldId id="264" r:id="rId11"/>
+    <p:sldId id="266" r:id="rId12"/>
+    <p:sldId id="267" r:id="rId13"/>
   </p:sldIdLst>
   <p:sldSz cx="12192000" cy="6858000"/>
   <p:notesSz cx="6858000" cy="9144000"/>
@@ -5895,7 +5897,7 @@
           <a:p>
             <a:fld id="{253C57FE-46CC-4BB6-9BBE-4B5FECE92D53}" type="datetimeFigureOut">
               <a:rPr lang="ko-KR" altLang="en-US" smtClean="0"/>
-              <a:t>2016-11-09</a:t>
+              <a:t>2016-11-10</a:t>
             </a:fld>
             <a:endParaRPr lang="ko-KR" altLang="en-US"/>
           </a:p>
@@ -6065,7 +6067,7 @@
           <a:p>
             <a:fld id="{253C57FE-46CC-4BB6-9BBE-4B5FECE92D53}" type="datetimeFigureOut">
               <a:rPr lang="ko-KR" altLang="en-US" smtClean="0"/>
-              <a:t>2016-11-09</a:t>
+              <a:t>2016-11-10</a:t>
             </a:fld>
             <a:endParaRPr lang="ko-KR" altLang="en-US"/>
           </a:p>
@@ -6245,7 +6247,7 @@
           <a:p>
             <a:fld id="{253C57FE-46CC-4BB6-9BBE-4B5FECE92D53}" type="datetimeFigureOut">
               <a:rPr lang="ko-KR" altLang="en-US" smtClean="0"/>
-              <a:t>2016-11-09</a:t>
+              <a:t>2016-11-10</a:t>
             </a:fld>
             <a:endParaRPr lang="ko-KR" altLang="en-US"/>
           </a:p>
@@ -6415,7 +6417,7 @@
           <a:p>
             <a:fld id="{253C57FE-46CC-4BB6-9BBE-4B5FECE92D53}" type="datetimeFigureOut">
               <a:rPr lang="ko-KR" altLang="en-US" smtClean="0"/>
-              <a:t>2016-11-09</a:t>
+              <a:t>2016-11-10</a:t>
             </a:fld>
             <a:endParaRPr lang="ko-KR" altLang="en-US"/>
           </a:p>
@@ -6661,7 +6663,7 @@
           <a:p>
             <a:fld id="{253C57FE-46CC-4BB6-9BBE-4B5FECE92D53}" type="datetimeFigureOut">
               <a:rPr lang="ko-KR" altLang="en-US" smtClean="0"/>
-              <a:t>2016-11-09</a:t>
+              <a:t>2016-11-10</a:t>
             </a:fld>
             <a:endParaRPr lang="ko-KR" altLang="en-US"/>
           </a:p>
@@ -6893,7 +6895,7 @@
           <a:p>
             <a:fld id="{253C57FE-46CC-4BB6-9BBE-4B5FECE92D53}" type="datetimeFigureOut">
               <a:rPr lang="ko-KR" altLang="en-US" smtClean="0"/>
-              <a:t>2016-11-09</a:t>
+              <a:t>2016-11-10</a:t>
             </a:fld>
             <a:endParaRPr lang="ko-KR" altLang="en-US"/>
           </a:p>
@@ -7260,7 +7262,7 @@
           <a:p>
             <a:fld id="{253C57FE-46CC-4BB6-9BBE-4B5FECE92D53}" type="datetimeFigureOut">
               <a:rPr lang="ko-KR" altLang="en-US" smtClean="0"/>
-              <a:t>2016-11-09</a:t>
+              <a:t>2016-11-10</a:t>
             </a:fld>
             <a:endParaRPr lang="ko-KR" altLang="en-US"/>
           </a:p>
@@ -7378,7 +7380,7 @@
           <a:p>
             <a:fld id="{253C57FE-46CC-4BB6-9BBE-4B5FECE92D53}" type="datetimeFigureOut">
               <a:rPr lang="ko-KR" altLang="en-US" smtClean="0"/>
-              <a:t>2016-11-09</a:t>
+              <a:t>2016-11-10</a:t>
             </a:fld>
             <a:endParaRPr lang="ko-KR" altLang="en-US"/>
           </a:p>
@@ -7473,7 +7475,7 @@
           <a:p>
             <a:fld id="{253C57FE-46CC-4BB6-9BBE-4B5FECE92D53}" type="datetimeFigureOut">
               <a:rPr lang="ko-KR" altLang="en-US" smtClean="0"/>
-              <a:t>2016-11-09</a:t>
+              <a:t>2016-11-10</a:t>
             </a:fld>
             <a:endParaRPr lang="ko-KR" altLang="en-US"/>
           </a:p>
@@ -7750,7 +7752,7 @@
           <a:p>
             <a:fld id="{253C57FE-46CC-4BB6-9BBE-4B5FECE92D53}" type="datetimeFigureOut">
               <a:rPr lang="ko-KR" altLang="en-US" smtClean="0"/>
-              <a:t>2016-11-09</a:t>
+              <a:t>2016-11-10</a:t>
             </a:fld>
             <a:endParaRPr lang="ko-KR" altLang="en-US"/>
           </a:p>
@@ -8003,7 +8005,7 @@
           <a:p>
             <a:fld id="{253C57FE-46CC-4BB6-9BBE-4B5FECE92D53}" type="datetimeFigureOut">
               <a:rPr lang="ko-KR" altLang="en-US" smtClean="0"/>
-              <a:t>2016-11-09</a:t>
+              <a:t>2016-11-10</a:t>
             </a:fld>
             <a:endParaRPr lang="ko-KR" altLang="en-US"/>
           </a:p>
@@ -8216,7 +8218,7 @@
           <a:p>
             <a:fld id="{253C57FE-46CC-4BB6-9BBE-4B5FECE92D53}" type="datetimeFigureOut">
               <a:rPr lang="ko-KR" altLang="en-US" smtClean="0"/>
-              <a:t>2016-11-09</a:t>
+              <a:t>2016-11-10</a:t>
             </a:fld>
             <a:endParaRPr lang="ko-KR" altLang="en-US"/>
           </a:p>
@@ -8768,6 +8770,208 @@
 </p:sld>
 </file>
 
+<file path=ppt/slides/slide11.xml><?xml version="1.0" encoding="utf-8"?>
+<p:sld xmlns:a="http://schemas.openxmlformats.org/drawingml/2006/main" xmlns:r="http://schemas.openxmlformats.org/officeDocument/2006/relationships" xmlns:p="http://schemas.openxmlformats.org/presentationml/2006/main">
+  <p:cSld>
+    <p:spTree>
+      <p:nvGrpSpPr>
+        <p:cNvPr id="1" name=""/>
+        <p:cNvGrpSpPr/>
+        <p:nvPr/>
+      </p:nvGrpSpPr>
+      <p:grpSpPr>
+        <a:xfrm>
+          <a:off x="0" y="0"/>
+          <a:ext cx="0" cy="0"/>
+          <a:chOff x="0" y="0"/>
+          <a:chExt cx="0" cy="0"/>
+        </a:xfrm>
+      </p:grpSpPr>
+      <p:sp>
+        <p:nvSpPr>
+          <p:cNvPr id="2" name="제목 1"/>
+          <p:cNvSpPr>
+            <a:spLocks noGrp="1"/>
+          </p:cNvSpPr>
+          <p:nvPr>
+            <p:ph type="title"/>
+          </p:nvPr>
+        </p:nvSpPr>
+        <p:spPr/>
+        <p:txBody>
+          <a:bodyPr/>
+          <a:lstStyle/>
+          <a:p>
+            <a:r>
+              <a:rPr lang="en-US" altLang="ko-KR" dirty="0" smtClean="0"/>
+              <a:t>parameter</a:t>
+            </a:r>
+            <a:endParaRPr lang="ko-KR" altLang="en-US" dirty="0"/>
+          </a:p>
+        </p:txBody>
+      </p:sp>
+      <p:sp>
+        <p:nvSpPr>
+          <p:cNvPr id="3" name="내용 개체 틀 2"/>
+          <p:cNvSpPr>
+            <a:spLocks noGrp="1"/>
+          </p:cNvSpPr>
+          <p:nvPr>
+            <p:ph idx="1"/>
+          </p:nvPr>
+        </p:nvSpPr>
+        <p:spPr/>
+        <p:txBody>
+          <a:bodyPr/>
+          <a:lstStyle/>
+          <a:p>
+            <a:r>
+              <a:rPr lang="ko-KR" altLang="en-US" dirty="0" err="1" smtClean="0"/>
+              <a:t>중요한게</a:t>
+            </a:r>
+            <a:r>
+              <a:rPr lang="en-US" altLang="ko-KR" dirty="0" smtClean="0"/>
+              <a:t>; type</a:t>
+            </a:r>
+          </a:p>
+          <a:p>
+            <a:r>
+              <a:rPr lang="en-US" altLang="ko-KR" dirty="0" smtClean="0"/>
+              <a:t>Mm, cm…</a:t>
+            </a:r>
+            <a:endParaRPr lang="ko-KR" altLang="en-US" dirty="0"/>
+          </a:p>
+        </p:txBody>
+      </p:sp>
+      <p:pic>
+        <p:nvPicPr>
+          <p:cNvPr id="4" name="그림 3"/>
+          <p:cNvPicPr>
+            <a:picLocks noChangeAspect="1"/>
+          </p:cNvPicPr>
+          <p:nvPr/>
+        </p:nvPicPr>
+        <p:blipFill>
+          <a:blip r:embed="rId2"/>
+          <a:stretch>
+            <a:fillRect/>
+          </a:stretch>
+        </p:blipFill>
+        <p:spPr>
+          <a:xfrm>
+            <a:off x="5493342" y="95250"/>
+            <a:ext cx="6381750" cy="6762750"/>
+          </a:xfrm>
+          <a:prstGeom prst="rect">
+            <a:avLst/>
+          </a:prstGeom>
+        </p:spPr>
+      </p:pic>
+    </p:spTree>
+    <p:extLst>
+      <p:ext uri="{BB962C8B-B14F-4D97-AF65-F5344CB8AC3E}">
+        <p14:creationId xmlns:p14="http://schemas.microsoft.com/office/powerpoint/2010/main" val="2103609284"/>
+      </p:ext>
+    </p:extLst>
+  </p:cSld>
+  <p:clrMapOvr>
+    <a:masterClrMapping/>
+  </p:clrMapOvr>
+</p:sld>
+</file>
+
+<file path=ppt/slides/slide12.xml><?xml version="1.0" encoding="utf-8"?>
+<p:sld xmlns:a="http://schemas.openxmlformats.org/drawingml/2006/main" xmlns:r="http://schemas.openxmlformats.org/officeDocument/2006/relationships" xmlns:p="http://schemas.openxmlformats.org/presentationml/2006/main">
+  <p:cSld>
+    <p:spTree>
+      <p:nvGrpSpPr>
+        <p:cNvPr id="1" name=""/>
+        <p:cNvGrpSpPr/>
+        <p:nvPr/>
+      </p:nvGrpSpPr>
+      <p:grpSpPr>
+        <a:xfrm>
+          <a:off x="0" y="0"/>
+          <a:ext cx="0" cy="0"/>
+          <a:chOff x="0" y="0"/>
+          <a:chExt cx="0" cy="0"/>
+        </a:xfrm>
+      </p:grpSpPr>
+      <p:sp>
+        <p:nvSpPr>
+          <p:cNvPr id="2" name="제목 1"/>
+          <p:cNvSpPr>
+            <a:spLocks noGrp="1"/>
+          </p:cNvSpPr>
+          <p:nvPr>
+            <p:ph type="title"/>
+          </p:nvPr>
+        </p:nvSpPr>
+        <p:spPr/>
+        <p:txBody>
+          <a:bodyPr/>
+          <a:lstStyle/>
+          <a:p>
+            <a:endParaRPr lang="ko-KR" altLang="en-US"/>
+          </a:p>
+        </p:txBody>
+      </p:sp>
+      <p:sp>
+        <p:nvSpPr>
+          <p:cNvPr id="3" name="내용 개체 틀 2"/>
+          <p:cNvSpPr>
+            <a:spLocks noGrp="1"/>
+          </p:cNvSpPr>
+          <p:nvPr>
+            <p:ph idx="1"/>
+          </p:nvPr>
+        </p:nvSpPr>
+        <p:spPr/>
+        <p:txBody>
+          <a:bodyPr/>
+          <a:lstStyle/>
+          <a:p>
+            <a:endParaRPr lang="ko-KR" altLang="en-US"/>
+          </a:p>
+        </p:txBody>
+      </p:sp>
+      <p:pic>
+        <p:nvPicPr>
+          <p:cNvPr id="5" name="그림 4"/>
+          <p:cNvPicPr>
+            <a:picLocks noChangeAspect="1"/>
+          </p:cNvPicPr>
+          <p:nvPr/>
+        </p:nvPicPr>
+        <p:blipFill>
+          <a:blip r:embed="rId2"/>
+          <a:stretch>
+            <a:fillRect/>
+          </a:stretch>
+        </p:blipFill>
+        <p:spPr>
+          <a:xfrm>
+            <a:off x="3314700" y="23812"/>
+            <a:ext cx="5562600" cy="6810375"/>
+          </a:xfrm>
+          <a:prstGeom prst="rect">
+            <a:avLst/>
+          </a:prstGeom>
+        </p:spPr>
+      </p:pic>
+    </p:spTree>
+    <p:extLst>
+      <p:ext uri="{BB962C8B-B14F-4D97-AF65-F5344CB8AC3E}">
+        <p14:creationId xmlns:p14="http://schemas.microsoft.com/office/powerpoint/2010/main" val="2657287483"/>
+      </p:ext>
+    </p:extLst>
+  </p:cSld>
+  <p:clrMapOvr>
+    <a:masterClrMapping/>
+  </p:clrMapOvr>
+</p:sld>
+</file>
+
 <file path=ppt/slides/slide2.xml><?xml version="1.0" encoding="utf-8"?>
 <p:sld xmlns:a="http://schemas.openxmlformats.org/drawingml/2006/main" xmlns:r="http://schemas.openxmlformats.org/officeDocument/2006/relationships" xmlns:p="http://schemas.openxmlformats.org/presentationml/2006/main">
   <p:cSld>
